--- a/posts/5/slides.pptx
+++ b/posts/5/slides.pptx
@@ -4644,20 +4644,164 @@
       </p:sp>
       <p:sp>
         <p:nvSpPr>
-          <p:cNvPr id="1289171473" name=""/>
+          <p:cNvPr id="211589673" name="TextBox 6"/>
+          <p:cNvSpPr txBox="1"/>
+          <p:nvPr/>
+        </p:nvSpPr>
+        <p:spPr bwMode="auto">
+          <a:xfrm rot="0" flipH="0" flipV="0">
+            <a:off x="8875236" y="9279214"/>
+            <a:ext cx="1264301" cy="782552"/>
+          </a:xfrm>
+          <a:prstGeom prst="rect">
+            <a:avLst/>
+          </a:prstGeom>
+        </p:spPr>
+        <p:txBody>
+          <a:bodyPr lIns="0" tIns="0" rIns="0" bIns="0" rtlCol="0" anchor="t">
+            <a:spAutoFit/>
+          </a:bodyPr>
+          <a:lstStyle/>
+          <a:p>
+            <a:pPr algn="ctr">
+              <a:lnSpc>
+                <a:spcPts val="6158"/>
+              </a:lnSpc>
+              <a:defRPr/>
+            </a:pPr>
+            <a:r>
+              <a:rPr lang="en-US" sz="2600" b="0">
+                <a:solidFill>
+                  <a:schemeClr val="bg1"/>
+                </a:solidFill>
+                <a:latin typeface="Agave"/>
+                <a:ea typeface="Agave"/>
+                <a:cs typeface="Agave"/>
+              </a:rPr>
+              <a:t>1/3</a:t>
+            </a:r>
+            <a:endParaRPr sz="2600" b="0">
+              <a:solidFill>
+                <a:schemeClr val="bg1"/>
+              </a:solidFill>
+              <a:latin typeface="Tinos"/>
+              <a:cs typeface="Tinos"/>
+            </a:endParaRPr>
+          </a:p>
+        </p:txBody>
+      </p:sp>
+      <p:sp>
+        <p:nvSpPr>
+          <p:cNvPr id="1562733029" name="TextBox 6"/>
+          <p:cNvSpPr txBox="1"/>
+          <p:nvPr/>
+        </p:nvSpPr>
+        <p:spPr bwMode="auto">
+          <a:xfrm rot="0" flipH="0" flipV="0">
+            <a:off x="501507" y="9279210"/>
+            <a:ext cx="4017145" cy="782172"/>
+          </a:xfrm>
+          <a:prstGeom prst="rect">
+            <a:avLst/>
+          </a:prstGeom>
+        </p:spPr>
+        <p:txBody>
+          <a:bodyPr lIns="0" tIns="0" rIns="0" bIns="0" rtlCol="0" anchor="t">
+            <a:spAutoFit/>
+          </a:bodyPr>
+          <a:lstStyle/>
+          <a:p>
+            <a:pPr algn="ctr">
+              <a:lnSpc>
+                <a:spcPts val="6155"/>
+              </a:lnSpc>
+              <a:defRPr/>
+            </a:pPr>
+            <a:r>
+              <a:rPr lang="en-US" sz="2600" b="0">
+                <a:solidFill>
+                  <a:schemeClr val="bg1"/>
+                </a:solidFill>
+                <a:latin typeface="Agave"/>
+                <a:ea typeface="Agave"/>
+                <a:cs typeface="Agave"/>
+              </a:rPr>
+              <a:t>Counsels on Lifestyle</a:t>
+            </a:r>
+            <a:endParaRPr sz="2600" b="0">
+              <a:solidFill>
+                <a:schemeClr val="bg1"/>
+              </a:solidFill>
+              <a:latin typeface="Tinos"/>
+              <a:cs typeface="Tinos"/>
+            </a:endParaRPr>
+          </a:p>
+        </p:txBody>
+      </p:sp>
+      <p:sp>
+        <p:nvSpPr>
+          <p:cNvPr id="1432518156" name="TextBox 6"/>
+          <p:cNvSpPr txBox="1"/>
+          <p:nvPr/>
+        </p:nvSpPr>
+        <p:spPr bwMode="auto">
+          <a:xfrm rot="0" flipH="0" flipV="0">
+            <a:off x="-330294" y="-762"/>
+            <a:ext cx="11095039" cy="782425"/>
+          </a:xfrm>
+          <a:prstGeom prst="rect">
+            <a:avLst/>
+          </a:prstGeom>
+        </p:spPr>
+        <p:txBody>
+          <a:bodyPr lIns="0" tIns="0" rIns="0" bIns="0" rtlCol="0" anchor="t">
+            <a:spAutoFit/>
+          </a:bodyPr>
+          <a:lstStyle/>
+          <a:p>
+            <a:pPr algn="ctr">
+              <a:lnSpc>
+                <a:spcPts val="6157"/>
+              </a:lnSpc>
+              <a:defRPr/>
+            </a:pPr>
+            <a:r>
+              <a:rPr lang="en-US" sz="2600" b="0">
+                <a:solidFill>
+                  <a:schemeClr val="bg1"/>
+                </a:solidFill>
+                <a:latin typeface="Agave"/>
+                <a:ea typeface="Agave"/>
+                <a:cs typeface="Agave"/>
+              </a:rPr>
+              <a:t>In the Long Run, Too Few Carbs Is as Unhealthy as Too Many</a:t>
+            </a:r>
+            <a:endParaRPr sz="2600" b="0">
+              <a:solidFill>
+                <a:schemeClr val="bg1"/>
+              </a:solidFill>
+              <a:latin typeface="Tinos"/>
+              <a:cs typeface="Tinos"/>
+            </a:endParaRPr>
+          </a:p>
+        </p:txBody>
+      </p:sp>
+      <p:sp>
+        <p:nvSpPr>
+          <p:cNvPr id="1555007549" name=""/>
           <p:cNvSpPr/>
           <p:nvPr/>
         </p:nvSpPr>
         <p:spPr bwMode="auto">
           <a:xfrm flipH="0" flipV="0">
-            <a:off x="3360" y="0"/>
-            <a:ext cx="10247585" cy="10225990"/>
+            <a:off x="25438" y="0"/>
+            <a:ext cx="10247582" cy="10286996"/>
           </a:xfrm>
           <a:prstGeom prst="rect">
             <a:avLst/>
           </a:prstGeom>
           <a:noFill/>
-          <a:ln w="38099" cap="flat" cmpd="sng" algn="ctr">
+          <a:ln w="57150" cap="flat" cmpd="sng" algn="ctr">
             <a:solidFill>
               <a:schemeClr val="bg1"/>
             </a:solidFill>
@@ -4687,150 +4831,6 @@
               <a:defRPr/>
             </a:pPr>
             <a:endParaRPr/>
-          </a:p>
-        </p:txBody>
-      </p:sp>
-      <p:sp>
-        <p:nvSpPr>
-          <p:cNvPr id="211589673" name="TextBox 6"/>
-          <p:cNvSpPr txBox="1"/>
-          <p:nvPr/>
-        </p:nvSpPr>
-        <p:spPr bwMode="auto">
-          <a:xfrm rot="0" flipH="0" flipV="0">
-            <a:off x="8875236" y="9279214"/>
-            <a:ext cx="1264301" cy="782552"/>
-          </a:xfrm>
-          <a:prstGeom prst="rect">
-            <a:avLst/>
-          </a:prstGeom>
-        </p:spPr>
-        <p:txBody>
-          <a:bodyPr lIns="0" tIns="0" rIns="0" bIns="0" rtlCol="0" anchor="t">
-            <a:spAutoFit/>
-          </a:bodyPr>
-          <a:lstStyle/>
-          <a:p>
-            <a:pPr algn="ctr">
-              <a:lnSpc>
-                <a:spcPts val="6158"/>
-              </a:lnSpc>
-              <a:defRPr/>
-            </a:pPr>
-            <a:r>
-              <a:rPr lang="en-US" sz="2600" b="0">
-                <a:solidFill>
-                  <a:schemeClr val="bg1"/>
-                </a:solidFill>
-                <a:latin typeface="Agave"/>
-                <a:ea typeface="Agave"/>
-                <a:cs typeface="Agave"/>
-              </a:rPr>
-              <a:t>1/3</a:t>
-            </a:r>
-            <a:endParaRPr sz="2600" b="0">
-              <a:solidFill>
-                <a:schemeClr val="bg1"/>
-              </a:solidFill>
-              <a:latin typeface="Tinos"/>
-              <a:cs typeface="Tinos"/>
-            </a:endParaRPr>
-          </a:p>
-        </p:txBody>
-      </p:sp>
-      <p:sp>
-        <p:nvSpPr>
-          <p:cNvPr id="1562733029" name="TextBox 6"/>
-          <p:cNvSpPr txBox="1"/>
-          <p:nvPr/>
-        </p:nvSpPr>
-        <p:spPr bwMode="auto">
-          <a:xfrm rot="0" flipH="0" flipV="0">
-            <a:off x="501507" y="9279210"/>
-            <a:ext cx="4017145" cy="782172"/>
-          </a:xfrm>
-          <a:prstGeom prst="rect">
-            <a:avLst/>
-          </a:prstGeom>
-        </p:spPr>
-        <p:txBody>
-          <a:bodyPr lIns="0" tIns="0" rIns="0" bIns="0" rtlCol="0" anchor="t">
-            <a:spAutoFit/>
-          </a:bodyPr>
-          <a:lstStyle/>
-          <a:p>
-            <a:pPr algn="ctr">
-              <a:lnSpc>
-                <a:spcPts val="6155"/>
-              </a:lnSpc>
-              <a:defRPr/>
-            </a:pPr>
-            <a:r>
-              <a:rPr lang="en-US" sz="2600" b="0">
-                <a:solidFill>
-                  <a:schemeClr val="bg1"/>
-                </a:solidFill>
-                <a:latin typeface="Agave"/>
-                <a:ea typeface="Agave"/>
-                <a:cs typeface="Agave"/>
-              </a:rPr>
-              <a:t>Counsels on Lifestyle</a:t>
-            </a:r>
-            <a:endParaRPr sz="2600" b="0">
-              <a:solidFill>
-                <a:schemeClr val="bg1"/>
-              </a:solidFill>
-              <a:latin typeface="Tinos"/>
-              <a:cs typeface="Tinos"/>
-            </a:endParaRPr>
-          </a:p>
-        </p:txBody>
-      </p:sp>
-      <p:sp>
-        <p:nvSpPr>
-          <p:cNvPr id="1432518156" name="TextBox 6"/>
-          <p:cNvSpPr txBox="1"/>
-          <p:nvPr/>
-        </p:nvSpPr>
-        <p:spPr bwMode="auto">
-          <a:xfrm rot="0" flipH="0" flipV="0">
-            <a:off x="-330294" y="-762"/>
-            <a:ext cx="11095039" cy="782425"/>
-          </a:xfrm>
-          <a:prstGeom prst="rect">
-            <a:avLst/>
-          </a:prstGeom>
-        </p:spPr>
-        <p:txBody>
-          <a:bodyPr lIns="0" tIns="0" rIns="0" bIns="0" rtlCol="0" anchor="t">
-            <a:spAutoFit/>
-          </a:bodyPr>
-          <a:lstStyle/>
-          <a:p>
-            <a:pPr algn="ctr">
-              <a:lnSpc>
-                <a:spcPts val="6157"/>
-              </a:lnSpc>
-              <a:defRPr/>
-            </a:pPr>
-            <a:r>
-              <a:rPr lang="en-US" sz="2600" b="0">
-                <a:solidFill>
-                  <a:schemeClr val="bg1"/>
-                </a:solidFill>
-                <a:latin typeface="Agave"/>
-                <a:ea typeface="Agave"/>
-                <a:cs typeface="Agave"/>
-              </a:rPr>
-              <a:t>In the Long Run, Too Few Carbs Is as Unhealthy as Too Many</a:t>
-            </a:r>
-            <a:endParaRPr sz="2600" b="0">
-              <a:solidFill>
-                <a:schemeClr val="bg1"/>
-              </a:solidFill>
-              <a:latin typeface="Tinos"/>
-              <a:cs typeface="Tinos"/>
-            </a:endParaRPr>
           </a:p>
         </p:txBody>
       </p:sp>
@@ -5429,20 +5429,226 @@
       </p:sp>
       <p:sp>
         <p:nvSpPr>
-          <p:cNvPr id="815714553" name=""/>
+          <p:cNvPr id="477860650" name="TextBox 6"/>
+          <p:cNvSpPr txBox="1"/>
+          <p:nvPr/>
+        </p:nvSpPr>
+        <p:spPr bwMode="auto">
+          <a:xfrm rot="0" flipH="0" flipV="0">
+            <a:off x="8875236" y="9279214"/>
+            <a:ext cx="1264301" cy="782552"/>
+          </a:xfrm>
+          <a:prstGeom prst="rect">
+            <a:avLst/>
+          </a:prstGeom>
+        </p:spPr>
+        <p:txBody>
+          <a:bodyPr lIns="0" tIns="0" rIns="0" bIns="0" rtlCol="0" anchor="t">
+            <a:spAutoFit/>
+          </a:bodyPr>
+          <a:lstStyle/>
+          <a:p>
+            <a:pPr algn="ctr">
+              <a:lnSpc>
+                <a:spcPts val="6158"/>
+              </a:lnSpc>
+              <a:defRPr/>
+            </a:pPr>
+            <a:r>
+              <a:rPr lang="en-US" sz="2600" b="0">
+                <a:solidFill>
+                  <a:schemeClr val="bg1"/>
+                </a:solidFill>
+                <a:latin typeface="Agave"/>
+                <a:ea typeface="Agave"/>
+                <a:cs typeface="Agave"/>
+              </a:rPr>
+              <a:t>2/3</a:t>
+            </a:r>
+            <a:endParaRPr sz="2600" b="0">
+              <a:solidFill>
+                <a:schemeClr val="bg1"/>
+              </a:solidFill>
+              <a:latin typeface="Tinos"/>
+              <a:cs typeface="Tinos"/>
+            </a:endParaRPr>
+          </a:p>
+        </p:txBody>
+      </p:sp>
+      <p:sp>
+        <p:nvSpPr>
+          <p:cNvPr id="1633727519" name="TextBox 6"/>
+          <p:cNvSpPr txBox="1"/>
+          <p:nvPr/>
+        </p:nvSpPr>
+        <p:spPr bwMode="auto">
+          <a:xfrm rot="0" flipH="0" flipV="0">
+            <a:off x="-80784" y="1039234"/>
+            <a:ext cx="10594577" cy="335639"/>
+          </a:xfrm>
+          <a:prstGeom prst="rect">
+            <a:avLst/>
+          </a:prstGeom>
+        </p:spPr>
+        <p:txBody>
+          <a:bodyPr lIns="0" tIns="0" rIns="0" bIns="0" rtlCol="0" anchor="t">
+            <a:spAutoFit/>
+          </a:bodyPr>
+          <a:lstStyle/>
+          <a:p>
+            <a:pPr algn="ctr">
+              <a:defRPr/>
+            </a:pPr>
+            <a:r>
+              <a:rPr lang="en-US" sz="2200" b="0" i="0" u="none" strike="noStrike" cap="none" spc="0">
+                <a:solidFill>
+                  <a:schemeClr val="bg1">
+                    <a:lumMod val="75000"/>
+                  </a:schemeClr>
+                </a:solidFill>
+                <a:latin typeface="Agave"/>
+                <a:ea typeface="Agave"/>
+                <a:cs typeface="Agave"/>
+              </a:rPr>
+              <a:t>Seidelmann et al, Lancet Public Health 2018; </a:t>
+            </a:r>
+            <a:r>
+              <a:rPr lang="en-US" sz="2200" b="0" i="0" u="none" strike="noStrike" cap="none" spc="0">
+                <a:solidFill>
+                  <a:schemeClr val="bg1">
+                    <a:lumMod val="75000"/>
+                  </a:schemeClr>
+                </a:solidFill>
+                <a:latin typeface="Agave"/>
+                <a:ea typeface="Agave"/>
+                <a:cs typeface="Agave"/>
+              </a:rPr>
+              <a:t>3: e419–28</a:t>
+            </a:r>
+            <a:endParaRPr lang="en-US" sz="2200" b="0" i="0" u="none" strike="noStrike" cap="none" spc="0">
+              <a:solidFill>
+                <a:schemeClr val="bg1">
+                  <a:lumMod val="75000"/>
+                </a:schemeClr>
+              </a:solidFill>
+              <a:latin typeface="Agave"/>
+              <a:cs typeface="Agave"/>
+            </a:endParaRPr>
+          </a:p>
+        </p:txBody>
+      </p:sp>
+      <p:sp>
+        <p:nvSpPr>
+          <p:cNvPr id="436617922" name="TextBox 6"/>
+          <p:cNvSpPr txBox="1"/>
+          <p:nvPr/>
+        </p:nvSpPr>
+        <p:spPr bwMode="auto">
+          <a:xfrm rot="0" flipH="0" flipV="0">
+            <a:off x="-330295" y="-762"/>
+            <a:ext cx="11094680" cy="782425"/>
+          </a:xfrm>
+          <a:prstGeom prst="rect">
+            <a:avLst/>
+          </a:prstGeom>
+        </p:spPr>
+        <p:txBody>
+          <a:bodyPr lIns="0" tIns="0" rIns="0" bIns="0" rtlCol="0" anchor="t">
+            <a:spAutoFit/>
+          </a:bodyPr>
+          <a:lstStyle/>
+          <a:p>
+            <a:pPr algn="ctr">
+              <a:lnSpc>
+                <a:spcPts val="6158"/>
+              </a:lnSpc>
+              <a:defRPr/>
+            </a:pPr>
+            <a:r>
+              <a:rPr lang="en-US" sz="2600" b="0">
+                <a:solidFill>
+                  <a:schemeClr val="bg1"/>
+                </a:solidFill>
+                <a:latin typeface="Agave"/>
+                <a:ea typeface="Agave"/>
+                <a:cs typeface="Agave"/>
+              </a:rPr>
+              <a:t>In the Long Run, Too Few Carbs Is as Unhealthy as Too Many</a:t>
+            </a:r>
+            <a:endParaRPr sz="2600" b="0">
+              <a:solidFill>
+                <a:schemeClr val="bg1"/>
+              </a:solidFill>
+              <a:latin typeface="Tinos"/>
+              <a:cs typeface="Tinos"/>
+            </a:endParaRPr>
+          </a:p>
+        </p:txBody>
+      </p:sp>
+      <p:sp>
+        <p:nvSpPr>
+          <p:cNvPr id="1801371734" name="TextBox 6"/>
+          <p:cNvSpPr txBox="1"/>
+          <p:nvPr/>
+        </p:nvSpPr>
+        <p:spPr bwMode="auto">
+          <a:xfrm rot="0" flipH="0" flipV="0">
+            <a:off x="501507" y="9279210"/>
+            <a:ext cx="4017145" cy="782172"/>
+          </a:xfrm>
+          <a:prstGeom prst="rect">
+            <a:avLst/>
+          </a:prstGeom>
+        </p:spPr>
+        <p:txBody>
+          <a:bodyPr lIns="0" tIns="0" rIns="0" bIns="0" rtlCol="0" anchor="t">
+            <a:spAutoFit/>
+          </a:bodyPr>
+          <a:lstStyle/>
+          <a:p>
+            <a:pPr algn="ctr">
+              <a:lnSpc>
+                <a:spcPts val="6155"/>
+              </a:lnSpc>
+              <a:defRPr/>
+            </a:pPr>
+            <a:r>
+              <a:rPr lang="en-US" sz="2600" b="0">
+                <a:solidFill>
+                  <a:schemeClr val="bg1"/>
+                </a:solidFill>
+                <a:latin typeface="Agave"/>
+                <a:ea typeface="Agave"/>
+                <a:cs typeface="Agave"/>
+              </a:rPr>
+              <a:t>Counsels on Lifestyle</a:t>
+            </a:r>
+            <a:endParaRPr sz="2600" b="0">
+              <a:solidFill>
+                <a:schemeClr val="bg1"/>
+              </a:solidFill>
+              <a:latin typeface="Tinos"/>
+              <a:cs typeface="Tinos"/>
+            </a:endParaRPr>
+          </a:p>
+        </p:txBody>
+      </p:sp>
+      <p:sp>
+        <p:nvSpPr>
+          <p:cNvPr id="460534426" name=""/>
           <p:cNvSpPr/>
           <p:nvPr/>
         </p:nvSpPr>
         <p:spPr bwMode="auto">
           <a:xfrm flipH="0" flipV="0">
-            <a:off x="3360" y="0"/>
-            <a:ext cx="10247585" cy="10225990"/>
+            <a:off x="25438" y="0"/>
+            <a:ext cx="10247582" cy="10286996"/>
           </a:xfrm>
           <a:prstGeom prst="rect">
             <a:avLst/>
           </a:prstGeom>
           <a:noFill/>
-          <a:ln w="38099" cap="flat" cmpd="sng" algn="ctr">
+          <a:ln w="57150" cap="flat" cmpd="sng" algn="ctr">
             <a:solidFill>
               <a:schemeClr val="bg1"/>
             </a:solidFill>
@@ -5472,212 +5678,6 @@
               <a:defRPr/>
             </a:pPr>
             <a:endParaRPr/>
-          </a:p>
-        </p:txBody>
-      </p:sp>
-      <p:sp>
-        <p:nvSpPr>
-          <p:cNvPr id="477860650" name="TextBox 6"/>
-          <p:cNvSpPr txBox="1"/>
-          <p:nvPr/>
-        </p:nvSpPr>
-        <p:spPr bwMode="auto">
-          <a:xfrm rot="0" flipH="0" flipV="0">
-            <a:off x="8875236" y="9279214"/>
-            <a:ext cx="1264301" cy="782552"/>
-          </a:xfrm>
-          <a:prstGeom prst="rect">
-            <a:avLst/>
-          </a:prstGeom>
-        </p:spPr>
-        <p:txBody>
-          <a:bodyPr lIns="0" tIns="0" rIns="0" bIns="0" rtlCol="0" anchor="t">
-            <a:spAutoFit/>
-          </a:bodyPr>
-          <a:lstStyle/>
-          <a:p>
-            <a:pPr algn="ctr">
-              <a:lnSpc>
-                <a:spcPts val="6158"/>
-              </a:lnSpc>
-              <a:defRPr/>
-            </a:pPr>
-            <a:r>
-              <a:rPr lang="en-US" sz="2600" b="0">
-                <a:solidFill>
-                  <a:schemeClr val="bg1"/>
-                </a:solidFill>
-                <a:latin typeface="Agave"/>
-                <a:ea typeface="Agave"/>
-                <a:cs typeface="Agave"/>
-              </a:rPr>
-              <a:t>2/3</a:t>
-            </a:r>
-            <a:endParaRPr sz="2600" b="0">
-              <a:solidFill>
-                <a:schemeClr val="bg1"/>
-              </a:solidFill>
-              <a:latin typeface="Tinos"/>
-              <a:cs typeface="Tinos"/>
-            </a:endParaRPr>
-          </a:p>
-        </p:txBody>
-      </p:sp>
-      <p:sp>
-        <p:nvSpPr>
-          <p:cNvPr id="1633727519" name="TextBox 6"/>
-          <p:cNvSpPr txBox="1"/>
-          <p:nvPr/>
-        </p:nvSpPr>
-        <p:spPr bwMode="auto">
-          <a:xfrm rot="0" flipH="0" flipV="0">
-            <a:off x="-80784" y="1039234"/>
-            <a:ext cx="10594577" cy="335639"/>
-          </a:xfrm>
-          <a:prstGeom prst="rect">
-            <a:avLst/>
-          </a:prstGeom>
-        </p:spPr>
-        <p:txBody>
-          <a:bodyPr lIns="0" tIns="0" rIns="0" bIns="0" rtlCol="0" anchor="t">
-            <a:spAutoFit/>
-          </a:bodyPr>
-          <a:lstStyle/>
-          <a:p>
-            <a:pPr algn="ctr">
-              <a:defRPr/>
-            </a:pPr>
-            <a:r>
-              <a:rPr lang="en-US" sz="2200" b="0" i="0" u="none" strike="noStrike" cap="none" spc="0">
-                <a:solidFill>
-                  <a:schemeClr val="bg1">
-                    <a:lumMod val="75000"/>
-                  </a:schemeClr>
-                </a:solidFill>
-                <a:latin typeface="Agave"/>
-                <a:ea typeface="Agave"/>
-                <a:cs typeface="Agave"/>
-              </a:rPr>
-              <a:t>Seidelmann et al, Lancet Public Health 2018; </a:t>
-            </a:r>
-            <a:r>
-              <a:rPr lang="en-US" sz="2200" b="0" i="0" u="none" strike="noStrike" cap="none" spc="0">
-                <a:solidFill>
-                  <a:schemeClr val="bg1">
-                    <a:lumMod val="75000"/>
-                  </a:schemeClr>
-                </a:solidFill>
-                <a:latin typeface="Agave"/>
-                <a:ea typeface="Agave"/>
-                <a:cs typeface="Agave"/>
-              </a:rPr>
-              <a:t>3: e419–28</a:t>
-            </a:r>
-            <a:endParaRPr lang="en-US" sz="2200" b="0" i="0" u="none" strike="noStrike" cap="none" spc="0">
-              <a:solidFill>
-                <a:schemeClr val="bg1">
-                  <a:lumMod val="75000"/>
-                </a:schemeClr>
-              </a:solidFill>
-              <a:latin typeface="Agave"/>
-              <a:cs typeface="Agave"/>
-            </a:endParaRPr>
-          </a:p>
-        </p:txBody>
-      </p:sp>
-      <p:sp>
-        <p:nvSpPr>
-          <p:cNvPr id="436617922" name="TextBox 6"/>
-          <p:cNvSpPr txBox="1"/>
-          <p:nvPr/>
-        </p:nvSpPr>
-        <p:spPr bwMode="auto">
-          <a:xfrm rot="0" flipH="0" flipV="0">
-            <a:off x="-330295" y="-762"/>
-            <a:ext cx="11094680" cy="782425"/>
-          </a:xfrm>
-          <a:prstGeom prst="rect">
-            <a:avLst/>
-          </a:prstGeom>
-        </p:spPr>
-        <p:txBody>
-          <a:bodyPr lIns="0" tIns="0" rIns="0" bIns="0" rtlCol="0" anchor="t">
-            <a:spAutoFit/>
-          </a:bodyPr>
-          <a:lstStyle/>
-          <a:p>
-            <a:pPr algn="ctr">
-              <a:lnSpc>
-                <a:spcPts val="6158"/>
-              </a:lnSpc>
-              <a:defRPr/>
-            </a:pPr>
-            <a:r>
-              <a:rPr lang="en-US" sz="2600" b="0">
-                <a:solidFill>
-                  <a:schemeClr val="bg1"/>
-                </a:solidFill>
-                <a:latin typeface="Agave"/>
-                <a:ea typeface="Agave"/>
-                <a:cs typeface="Agave"/>
-              </a:rPr>
-              <a:t>In the Long Run, Too Few Carbs Is as Unhealthy as Too Many</a:t>
-            </a:r>
-            <a:endParaRPr sz="2600" b="0">
-              <a:solidFill>
-                <a:schemeClr val="bg1"/>
-              </a:solidFill>
-              <a:latin typeface="Tinos"/>
-              <a:cs typeface="Tinos"/>
-            </a:endParaRPr>
-          </a:p>
-        </p:txBody>
-      </p:sp>
-      <p:sp>
-        <p:nvSpPr>
-          <p:cNvPr id="1801371734" name="TextBox 6"/>
-          <p:cNvSpPr txBox="1"/>
-          <p:nvPr/>
-        </p:nvSpPr>
-        <p:spPr bwMode="auto">
-          <a:xfrm rot="0" flipH="0" flipV="0">
-            <a:off x="501507" y="9279210"/>
-            <a:ext cx="4017145" cy="782172"/>
-          </a:xfrm>
-          <a:prstGeom prst="rect">
-            <a:avLst/>
-          </a:prstGeom>
-        </p:spPr>
-        <p:txBody>
-          <a:bodyPr lIns="0" tIns="0" rIns="0" bIns="0" rtlCol="0" anchor="t">
-            <a:spAutoFit/>
-          </a:bodyPr>
-          <a:lstStyle/>
-          <a:p>
-            <a:pPr algn="ctr">
-              <a:lnSpc>
-                <a:spcPts val="6155"/>
-              </a:lnSpc>
-              <a:defRPr/>
-            </a:pPr>
-            <a:r>
-              <a:rPr lang="en-US" sz="2600" b="0">
-                <a:solidFill>
-                  <a:schemeClr val="bg1"/>
-                </a:solidFill>
-                <a:latin typeface="Agave"/>
-                <a:ea typeface="Agave"/>
-                <a:cs typeface="Agave"/>
-              </a:rPr>
-              <a:t>Counsels on Lifestyle</a:t>
-            </a:r>
-            <a:endParaRPr sz="2600" b="0">
-              <a:solidFill>
-                <a:schemeClr val="bg1"/>
-              </a:solidFill>
-              <a:latin typeface="Tinos"/>
-              <a:cs typeface="Tinos"/>
-            </a:endParaRPr>
           </a:p>
         </p:txBody>
       </p:sp>
@@ -6348,20 +6348,178 @@
       </p:sp>
       <p:sp>
         <p:nvSpPr>
-          <p:cNvPr id="143438360" name=""/>
+          <p:cNvPr id="2129258490" name="TextBox 6"/>
+          <p:cNvSpPr txBox="1"/>
+          <p:nvPr/>
+        </p:nvSpPr>
+        <p:spPr bwMode="auto">
+          <a:xfrm rot="0" flipH="0" flipV="0">
+            <a:off x="-80784" y="1039234"/>
+            <a:ext cx="10594577" cy="335639"/>
+          </a:xfrm>
+          <a:prstGeom prst="rect">
+            <a:avLst/>
+          </a:prstGeom>
+        </p:spPr>
+        <p:txBody>
+          <a:bodyPr lIns="0" tIns="0" rIns="0" bIns="0" rtlCol="0" anchor="t">
+            <a:spAutoFit/>
+          </a:bodyPr>
+          <a:lstStyle/>
+          <a:p>
+            <a:pPr algn="ctr">
+              <a:defRPr/>
+            </a:pPr>
+            <a:r>
+              <a:rPr lang="en-US" sz="2200" b="0" i="0" u="none" strike="noStrike" cap="none" spc="0">
+                <a:solidFill>
+                  <a:schemeClr val="bg1">
+                    <a:lumMod val="75000"/>
+                  </a:schemeClr>
+                </a:solidFill>
+                <a:latin typeface="Agave"/>
+                <a:ea typeface="Agave"/>
+                <a:cs typeface="Agave"/>
+              </a:rPr>
+              <a:t>Seidelmann et al, Lancet Public Health 2018; </a:t>
+            </a:r>
+            <a:r>
+              <a:rPr lang="en-US" sz="2200" b="0" i="0" u="none" strike="noStrike" cap="none" spc="0">
+                <a:solidFill>
+                  <a:schemeClr val="bg1">
+                    <a:lumMod val="75000"/>
+                  </a:schemeClr>
+                </a:solidFill>
+                <a:latin typeface="Agave"/>
+                <a:ea typeface="Agave"/>
+                <a:cs typeface="Agave"/>
+              </a:rPr>
+              <a:t>3: e419–28</a:t>
+            </a:r>
+            <a:endParaRPr lang="en-US" sz="2200" b="0" i="0" u="none" strike="noStrike" cap="none" spc="0">
+              <a:solidFill>
+                <a:schemeClr val="bg1">
+                  <a:lumMod val="75000"/>
+                </a:schemeClr>
+              </a:solidFill>
+              <a:latin typeface="Agave"/>
+              <a:cs typeface="Agave"/>
+            </a:endParaRPr>
+          </a:p>
+        </p:txBody>
+      </p:sp>
+      <p:sp>
+        <p:nvSpPr>
+          <p:cNvPr id="230625408" name="TextBox 6"/>
+          <p:cNvSpPr txBox="1"/>
+          <p:nvPr/>
+        </p:nvSpPr>
+        <p:spPr bwMode="auto">
+          <a:xfrm rot="0" flipH="0" flipV="0">
+            <a:off x="501507" y="9279210"/>
+            <a:ext cx="4017145" cy="782172"/>
+          </a:xfrm>
+          <a:prstGeom prst="rect">
+            <a:avLst/>
+          </a:prstGeom>
+        </p:spPr>
+        <p:txBody>
+          <a:bodyPr lIns="0" tIns="0" rIns="0" bIns="0" rtlCol="0" anchor="t">
+            <a:spAutoFit/>
+          </a:bodyPr>
+          <a:lstStyle/>
+          <a:p>
+            <a:pPr algn="ctr">
+              <a:lnSpc>
+                <a:spcPts val="6155"/>
+              </a:lnSpc>
+              <a:defRPr/>
+            </a:pPr>
+            <a:r>
+              <a:rPr lang="en-US" sz="2600" b="0">
+                <a:solidFill>
+                  <a:schemeClr val="bg1"/>
+                </a:solidFill>
+                <a:latin typeface="Agave"/>
+                <a:ea typeface="Agave"/>
+                <a:cs typeface="Agave"/>
+              </a:rPr>
+              <a:t>Counsels on Lifestyle</a:t>
+            </a:r>
+            <a:endParaRPr sz="2600" b="0">
+              <a:solidFill>
+                <a:schemeClr val="bg1"/>
+              </a:solidFill>
+              <a:latin typeface="Tinos"/>
+              <a:cs typeface="Tinos"/>
+            </a:endParaRPr>
+          </a:p>
+        </p:txBody>
+      </p:sp>
+      <p:sp>
+        <p:nvSpPr>
+          <p:cNvPr id="1580606157" name="TextBox 6"/>
+          <p:cNvSpPr txBox="1"/>
+          <p:nvPr/>
+        </p:nvSpPr>
+        <p:spPr bwMode="auto">
+          <a:xfrm rot="0" flipH="0" flipV="0">
+            <a:off x="-330294" y="-762"/>
+            <a:ext cx="11095039" cy="782425"/>
+          </a:xfrm>
+          <a:prstGeom prst="rect">
+            <a:avLst/>
+          </a:prstGeom>
+        </p:spPr>
+        <p:txBody>
+          <a:bodyPr lIns="0" tIns="0" rIns="0" bIns="0" rtlCol="0" anchor="t">
+            <a:spAutoFit/>
+          </a:bodyPr>
+          <a:lstStyle/>
+          <a:p>
+            <a:pPr algn="ctr">
+              <a:lnSpc>
+                <a:spcPts val="6157"/>
+              </a:lnSpc>
+              <a:defRPr/>
+            </a:pPr>
+            <a:r>
+              <a:rPr lang="en-US" sz="2600" b="0">
+                <a:solidFill>
+                  <a:schemeClr val="bg1"/>
+                </a:solidFill>
+                <a:latin typeface="Agave"/>
+                <a:ea typeface="Agave"/>
+                <a:cs typeface="Agave"/>
+              </a:rPr>
+              <a:t>In the Long Run, Too Few Carbs Is as Unhealthy as Too Many</a:t>
+            </a:r>
+            <a:endParaRPr sz="2600" b="0">
+              <a:solidFill>
+                <a:schemeClr val="bg1"/>
+              </a:solidFill>
+              <a:latin typeface="Tinos"/>
+              <a:cs typeface="Tinos"/>
+            </a:endParaRPr>
+          </a:p>
+        </p:txBody>
+      </p:sp>
+      <p:sp>
+        <p:nvSpPr>
+          <p:cNvPr id="487722597" name=""/>
           <p:cNvSpPr/>
           <p:nvPr/>
         </p:nvSpPr>
         <p:spPr bwMode="auto">
           <a:xfrm flipH="0" flipV="0">
-            <a:off x="3360" y="0"/>
-            <a:ext cx="10247585" cy="10225990"/>
+            <a:off x="25438" y="0"/>
+            <a:ext cx="10247582" cy="10286996"/>
           </a:xfrm>
           <a:prstGeom prst="rect">
             <a:avLst/>
           </a:prstGeom>
           <a:noFill/>
-          <a:ln w="38099" cap="flat" cmpd="sng" algn="ctr">
+          <a:ln w="57150" cap="flat" cmpd="sng" algn="ctr">
             <a:solidFill>
               <a:schemeClr val="bg1"/>
             </a:solidFill>
@@ -6391,164 +6549,6 @@
               <a:defRPr/>
             </a:pPr>
             <a:endParaRPr/>
-          </a:p>
-        </p:txBody>
-      </p:sp>
-      <p:sp>
-        <p:nvSpPr>
-          <p:cNvPr id="2129258490" name="TextBox 6"/>
-          <p:cNvSpPr txBox="1"/>
-          <p:nvPr/>
-        </p:nvSpPr>
-        <p:spPr bwMode="auto">
-          <a:xfrm rot="0" flipH="0" flipV="0">
-            <a:off x="-80784" y="1039234"/>
-            <a:ext cx="10594577" cy="335639"/>
-          </a:xfrm>
-          <a:prstGeom prst="rect">
-            <a:avLst/>
-          </a:prstGeom>
-        </p:spPr>
-        <p:txBody>
-          <a:bodyPr lIns="0" tIns="0" rIns="0" bIns="0" rtlCol="0" anchor="t">
-            <a:spAutoFit/>
-          </a:bodyPr>
-          <a:lstStyle/>
-          <a:p>
-            <a:pPr algn="ctr">
-              <a:defRPr/>
-            </a:pPr>
-            <a:r>
-              <a:rPr lang="en-US" sz="2200" b="0" i="0" u="none" strike="noStrike" cap="none" spc="0">
-                <a:solidFill>
-                  <a:schemeClr val="bg1">
-                    <a:lumMod val="75000"/>
-                  </a:schemeClr>
-                </a:solidFill>
-                <a:latin typeface="Agave"/>
-                <a:ea typeface="Agave"/>
-                <a:cs typeface="Agave"/>
-              </a:rPr>
-              <a:t>Seidelmann et al, Lancet Public Health 2018; </a:t>
-            </a:r>
-            <a:r>
-              <a:rPr lang="en-US" sz="2200" b="0" i="0" u="none" strike="noStrike" cap="none" spc="0">
-                <a:solidFill>
-                  <a:schemeClr val="bg1">
-                    <a:lumMod val="75000"/>
-                  </a:schemeClr>
-                </a:solidFill>
-                <a:latin typeface="Agave"/>
-                <a:ea typeface="Agave"/>
-                <a:cs typeface="Agave"/>
-              </a:rPr>
-              <a:t>3: e419–28</a:t>
-            </a:r>
-            <a:endParaRPr lang="en-US" sz="2200" b="0" i="0" u="none" strike="noStrike" cap="none" spc="0">
-              <a:solidFill>
-                <a:schemeClr val="bg1">
-                  <a:lumMod val="75000"/>
-                </a:schemeClr>
-              </a:solidFill>
-              <a:latin typeface="Agave"/>
-              <a:cs typeface="Agave"/>
-            </a:endParaRPr>
-          </a:p>
-        </p:txBody>
-      </p:sp>
-      <p:sp>
-        <p:nvSpPr>
-          <p:cNvPr id="230625408" name="TextBox 6"/>
-          <p:cNvSpPr txBox="1"/>
-          <p:nvPr/>
-        </p:nvSpPr>
-        <p:spPr bwMode="auto">
-          <a:xfrm rot="0" flipH="0" flipV="0">
-            <a:off x="501507" y="9279210"/>
-            <a:ext cx="4017145" cy="782172"/>
-          </a:xfrm>
-          <a:prstGeom prst="rect">
-            <a:avLst/>
-          </a:prstGeom>
-        </p:spPr>
-        <p:txBody>
-          <a:bodyPr lIns="0" tIns="0" rIns="0" bIns="0" rtlCol="0" anchor="t">
-            <a:spAutoFit/>
-          </a:bodyPr>
-          <a:lstStyle/>
-          <a:p>
-            <a:pPr algn="ctr">
-              <a:lnSpc>
-                <a:spcPts val="6155"/>
-              </a:lnSpc>
-              <a:defRPr/>
-            </a:pPr>
-            <a:r>
-              <a:rPr lang="en-US" sz="2600" b="0">
-                <a:solidFill>
-                  <a:schemeClr val="bg1"/>
-                </a:solidFill>
-                <a:latin typeface="Agave"/>
-                <a:ea typeface="Agave"/>
-                <a:cs typeface="Agave"/>
-              </a:rPr>
-              <a:t>Counsels on Lifestyle</a:t>
-            </a:r>
-            <a:endParaRPr sz="2600" b="0">
-              <a:solidFill>
-                <a:schemeClr val="bg1"/>
-              </a:solidFill>
-              <a:latin typeface="Tinos"/>
-              <a:cs typeface="Tinos"/>
-            </a:endParaRPr>
-          </a:p>
-        </p:txBody>
-      </p:sp>
-      <p:sp>
-        <p:nvSpPr>
-          <p:cNvPr id="1580606157" name="TextBox 6"/>
-          <p:cNvSpPr txBox="1"/>
-          <p:nvPr/>
-        </p:nvSpPr>
-        <p:spPr bwMode="auto">
-          <a:xfrm rot="0" flipH="0" flipV="0">
-            <a:off x="-330294" y="-762"/>
-            <a:ext cx="11095039" cy="782425"/>
-          </a:xfrm>
-          <a:prstGeom prst="rect">
-            <a:avLst/>
-          </a:prstGeom>
-        </p:spPr>
-        <p:txBody>
-          <a:bodyPr lIns="0" tIns="0" rIns="0" bIns="0" rtlCol="0" anchor="t">
-            <a:spAutoFit/>
-          </a:bodyPr>
-          <a:lstStyle/>
-          <a:p>
-            <a:pPr algn="ctr">
-              <a:lnSpc>
-                <a:spcPts val="6157"/>
-              </a:lnSpc>
-              <a:defRPr/>
-            </a:pPr>
-            <a:r>
-              <a:rPr lang="en-US" sz="2600" b="0">
-                <a:solidFill>
-                  <a:schemeClr val="bg1"/>
-                </a:solidFill>
-                <a:latin typeface="Agave"/>
-                <a:ea typeface="Agave"/>
-                <a:cs typeface="Agave"/>
-              </a:rPr>
-              <a:t>In the Long Run, Too Few Carbs Is as Unhealthy as Too Many</a:t>
-            </a:r>
-            <a:endParaRPr sz="2600" b="0">
-              <a:solidFill>
-                <a:schemeClr val="bg1"/>
-              </a:solidFill>
-              <a:latin typeface="Tinos"/>
-              <a:cs typeface="Tinos"/>
-            </a:endParaRPr>
           </a:p>
         </p:txBody>
       </p:sp>

--- a/posts/5/slides.pptx
+++ b/posts/5/slides.pptx
@@ -3883,10 +3883,9 @@
     <p:bg>
       <p:bgPr shadeToTitle="0">
         <a:solidFill>
-          <a:schemeClr val="accent4">
-            <a:lumMod val="50000"/>
+          <a:srgbClr val="26233A">
             <a:alpha val="99999"/>
-          </a:schemeClr>
+          </a:srgbClr>
         </a:solidFill>
       </p:bgPr>
     </p:bg>
@@ -3904,56 +3903,6 @@
           <a:chExt cx="0" cy="0"/>
         </a:xfrm>
       </p:grpSpPr>
-      <p:sp>
-        <p:nvSpPr>
-          <p:cNvPr id="1211603716" name=""/>
-          <p:cNvSpPr/>
-          <p:nvPr/>
-        </p:nvSpPr>
-        <p:spPr bwMode="auto">
-          <a:xfrm flipH="0" flipV="0">
-            <a:off x="581146" y="1619248"/>
-            <a:ext cx="9081799" cy="7938594"/>
-          </a:xfrm>
-          <a:prstGeom prst="roundRect">
-            <a:avLst>
-              <a:gd name="adj" fmla="val 1824"/>
-            </a:avLst>
-          </a:prstGeom>
-          <a:solidFill>
-            <a:srgbClr val="232136"/>
-          </a:solidFill>
-          <a:ln w="38099" cap="flat" cmpd="sng" algn="ctr">
-            <a:noFill/>
-            <a:prstDash val="solid"/>
-          </a:ln>
-        </p:spPr>
-        <p:style>
-          <a:lnRef idx="2">
-            <a:schemeClr val="accent1">
-              <a:shade val="50000"/>
-            </a:schemeClr>
-          </a:lnRef>
-          <a:fillRef idx="1">
-            <a:schemeClr val="accent1"/>
-          </a:fillRef>
-          <a:effectRef idx="0">
-            <a:schemeClr val="accent1"/>
-          </a:effectRef>
-          <a:fontRef idx="minor">
-            <a:schemeClr val="lt1"/>
-          </a:fontRef>
-        </p:style>
-        <p:txBody>
-          <a:bodyPr/>
-          <a:p>
-            <a:pPr>
-              <a:defRPr/>
-            </a:pPr>
-            <a:endParaRPr/>
-          </a:p>
-        </p:txBody>
-      </p:sp>
       <p:pic>
         <p:nvPicPr>
           <p:cNvPr id="1181590362" name=""/>
@@ -3986,8 +3935,8 @@
         </p:nvSpPr>
         <p:spPr bwMode="auto">
           <a:xfrm flipH="0" flipV="0">
-            <a:off x="1397041" y="1887256"/>
-            <a:ext cx="3081800" cy="1189079"/>
+            <a:off x="1889713" y="1887255"/>
+            <a:ext cx="3082879" cy="945239"/>
           </a:xfrm>
           <a:prstGeom prst="rect">
             <a:avLst/>
@@ -4003,29 +3952,7 @@
               <a:defRPr/>
             </a:pPr>
             <a:r>
-              <a:rPr sz="2400">
-                <a:solidFill>
-                  <a:schemeClr val="bg1"/>
-                </a:solidFill>
-                <a:latin typeface="Agave"/>
-                <a:ea typeface="Agave"/>
-                <a:cs typeface="Agave"/>
-              </a:rPr>
-              <a:t>person eating </a:t>
-            </a:r>
-            <a:r>
-              <a:rPr sz="2400">
-                <a:solidFill>
-                  <a:schemeClr val="bg1"/>
-                </a:solidFill>
-                <a:latin typeface="Agave"/>
-                <a:ea typeface="Agave"/>
-                <a:cs typeface="Agave"/>
-              </a:rPr>
-              <a:t>meals with </a:t>
-            </a:r>
-            <a:r>
-              <a:rPr sz="2400" b="1" i="1">
+              <a:rPr sz="2800" b="1" i="1">
                 <a:solidFill>
                   <a:schemeClr val="bg1"/>
                 </a:solidFill>
@@ -4036,7 +3963,7 @@
               <a:t>moderate </a:t>
             </a:r>
             <a:r>
-              <a:rPr sz="2400">
+              <a:rPr sz="2800">
                 <a:solidFill>
                   <a:schemeClr val="bg1"/>
                 </a:solidFill>
@@ -4047,7 +3974,7 @@
               <a:t>amount of </a:t>
             </a:r>
             <a:r>
-              <a:rPr sz="2400">
+              <a:rPr sz="2800">
                 <a:solidFill>
                   <a:srgbClr val="EB6F92"/>
                 </a:solidFill>
@@ -4057,7 +3984,7 @@
               </a:rPr>
               <a:t>Carbs</a:t>
             </a:r>
-            <a:endParaRPr sz="2400">
+            <a:endParaRPr sz="2800">
               <a:solidFill>
                 <a:schemeClr val="bg1"/>
               </a:solidFill>
@@ -4076,8 +4003,8 @@
         </p:nvSpPr>
         <p:spPr bwMode="auto">
           <a:xfrm flipH="0" flipV="0">
-            <a:off x="1561265" y="8618906"/>
-            <a:ext cx="1856003" cy="457559"/>
+            <a:off x="1561264" y="8618905"/>
+            <a:ext cx="1857802" cy="457559"/>
           </a:xfrm>
           <a:prstGeom prst="rect">
             <a:avLst/>
@@ -4095,9 +4022,7 @@
             <a:r>
               <a:rPr sz="2400">
                 <a:solidFill>
-                  <a:schemeClr val="bg1">
-                    <a:lumMod val="75000"/>
-                  </a:schemeClr>
+                  <a:schemeClr val="bg1"/>
                 </a:solidFill>
                 <a:latin typeface="Agave"/>
                 <a:cs typeface="Agave"/>
@@ -4106,9 +4031,7 @@
             </a:r>
             <a:endParaRPr sz="2400">
               <a:solidFill>
-                <a:schemeClr val="bg1">
-                  <a:lumMod val="75000"/>
-                </a:schemeClr>
+                <a:schemeClr val="bg1"/>
               </a:solidFill>
               <a:latin typeface="Agave"/>
               <a:cs typeface="Agave"/>
@@ -4124,8 +4047,8 @@
         </p:nvSpPr>
         <p:spPr bwMode="auto">
           <a:xfrm flipH="0" flipV="0">
-            <a:off x="7767375" y="8571606"/>
-            <a:ext cx="1858161" cy="457559"/>
+            <a:off x="7767374" y="8571605"/>
+            <a:ext cx="1859960" cy="457559"/>
           </a:xfrm>
           <a:prstGeom prst="rect">
             <a:avLst/>
@@ -4143,9 +4066,7 @@
             <a:r>
               <a:rPr sz="2400">
                 <a:solidFill>
-                  <a:schemeClr val="bg1">
-                    <a:lumMod val="75000"/>
-                  </a:schemeClr>
+                  <a:schemeClr val="bg1"/>
                 </a:solidFill>
                 <a:latin typeface="Agave"/>
                 <a:cs typeface="Agave"/>
@@ -4154,9 +4075,7 @@
             </a:r>
             <a:endParaRPr sz="2400">
               <a:solidFill>
-                <a:schemeClr val="bg1">
-                  <a:lumMod val="75000"/>
-                </a:schemeClr>
+                <a:schemeClr val="bg1"/>
               </a:solidFill>
               <a:latin typeface="Agave"/>
               <a:cs typeface="Agave"/>
@@ -4173,21 +4092,19 @@
           <p:nvPr/>
         </p:nvCxnSpPr>
         <p:spPr bwMode="auto">
-          <a:xfrm rot="10799952" flipH="1" flipV="1">
-            <a:off x="1251465" y="8549149"/>
+          <a:xfrm rot="10799990" flipH="1" flipV="1">
+            <a:off x="1252799" y="8550000"/>
             <a:ext cx="7933311" cy="0"/>
           </a:xfrm>
           <a:prstGeom prst="line">
             <a:avLst/>
           </a:prstGeom>
-          <a:ln w="57150" cap="flat" cmpd="sng" algn="ctr">
+          <a:ln w="38099" cap="flat" cmpd="sng" algn="ctr">
             <a:solidFill>
-              <a:schemeClr val="bg1">
-                <a:lumMod val="74901"/>
-              </a:schemeClr>
+              <a:schemeClr val="bg1"/>
             </a:solidFill>
             <a:prstDash val="solid"/>
-            <a:tailEnd type="arrow" len="med"/>
+            <a:tailEnd type="oval" len="med"/>
           </a:ln>
         </p:spPr>
         <p:style>
@@ -4215,8 +4132,8 @@
         </p:nvSpPr>
         <p:spPr bwMode="auto">
           <a:xfrm flipH="0" flipV="0">
-            <a:off x="2827569" y="8936057"/>
-            <a:ext cx="4914466" cy="457559"/>
+            <a:off x="2663344" y="8936056"/>
+            <a:ext cx="4915545" cy="518519"/>
           </a:xfrm>
           <a:prstGeom prst="rect">
             <a:avLst/>
@@ -4232,11 +4149,9 @@
               <a:defRPr/>
             </a:pPr>
             <a:r>
-              <a:rPr sz="2400" b="0">
-                <a:solidFill>
-                  <a:schemeClr val="bg1">
-                    <a:lumMod val="75000"/>
-                  </a:schemeClr>
+              <a:rPr sz="2800" b="0">
+                <a:solidFill>
+                  <a:schemeClr val="bg1"/>
                 </a:solidFill>
                 <a:latin typeface="Agave"/>
                 <a:ea typeface="Agave"/>
@@ -4244,73 +4159,9 @@
               </a:rPr>
               <a:t>Risk of Mortality</a:t>
             </a:r>
-            <a:endParaRPr sz="2400" b="0">
+            <a:endParaRPr sz="2800" b="0">
               <a:solidFill>
-                <a:schemeClr val="bg1">
-                  <a:lumMod val="75000"/>
-                </a:schemeClr>
-              </a:solidFill>
-              <a:latin typeface="Agave"/>
-              <a:cs typeface="Agave"/>
-            </a:endParaRPr>
-          </a:p>
-        </p:txBody>
-      </p:sp>
-      <p:sp>
-        <p:nvSpPr>
-          <p:cNvPr id="1865465620" name="TextBox 6"/>
-          <p:cNvSpPr txBox="1"/>
-          <p:nvPr/>
-        </p:nvSpPr>
-        <p:spPr bwMode="auto">
-          <a:xfrm rot="0" flipH="0" flipV="0">
-            <a:off x="-80784" y="1039235"/>
-            <a:ext cx="10594218" cy="335639"/>
-          </a:xfrm>
-          <a:prstGeom prst="rect">
-            <a:avLst/>
-          </a:prstGeom>
-        </p:spPr>
-        <p:txBody>
-          <a:bodyPr lIns="0" tIns="0" rIns="0" bIns="0" rtlCol="0" anchor="t">
-            <a:spAutoFit/>
-          </a:bodyPr>
-          <a:lstStyle/>
-          <a:p>
-            <a:pPr algn="ctr">
-              <a:defRPr/>
-            </a:pPr>
-            <a:r>
-              <a:rPr lang="en-US" sz="2200" b="0" i="0" u="none" strike="noStrike" cap="none" spc="0">
-                <a:solidFill>
-                  <a:schemeClr val="bg1">
-                    <a:lumMod val="75000"/>
-                  </a:schemeClr>
-                </a:solidFill>
-                <a:latin typeface="Agave"/>
-                <a:ea typeface="Agave"/>
-                <a:cs typeface="Agave"/>
-              </a:rPr>
-              <a:t>Seidelmann et al, Lancet Public Health 2018; </a:t>
-            </a:r>
-            <a:r>
-              <a:rPr lang="en-US" sz="2200" b="0" i="0" u="none" strike="noStrike" cap="none" spc="0">
-                <a:solidFill>
-                  <a:schemeClr val="bg1">
-                    <a:lumMod val="75000"/>
-                  </a:schemeClr>
-                </a:solidFill>
-                <a:latin typeface="Agave"/>
-                <a:ea typeface="Agave"/>
-                <a:cs typeface="Agave"/>
-              </a:rPr>
-              <a:t>3: e419–28</a:t>
-            </a:r>
-            <a:endParaRPr lang="en-US" sz="2200" b="0" i="0" u="none" strike="noStrike" cap="none" spc="0">
-              <a:solidFill>
-                <a:schemeClr val="bg1">
-                  <a:lumMod val="75000"/>
-                </a:schemeClr>
+                <a:schemeClr val="bg1"/>
               </a:solidFill>
               <a:latin typeface="Agave"/>
               <a:cs typeface="Agave"/>
@@ -4350,8 +4201,8 @@
         </p:nvSpPr>
         <p:spPr bwMode="auto">
           <a:xfrm flipH="0" flipV="0">
-            <a:off x="5123679" y="2051480"/>
-            <a:ext cx="4306580" cy="823319"/>
+            <a:off x="5287902" y="2379927"/>
+            <a:ext cx="4309459" cy="945239"/>
           </a:xfrm>
           <a:prstGeom prst="rect">
             <a:avLst/>
@@ -4367,29 +4218,7 @@
               <a:defRPr/>
             </a:pPr>
             <a:r>
-              <a:rPr sz="2400">
-                <a:solidFill>
-                  <a:schemeClr val="bg1"/>
-                </a:solidFill>
-                <a:latin typeface="Agave"/>
-                <a:ea typeface="Agave"/>
-                <a:cs typeface="Agave"/>
-              </a:rPr>
-              <a:t>people eating </a:t>
-            </a:r>
-            <a:r>
-              <a:rPr sz="2400">
-                <a:solidFill>
-                  <a:schemeClr val="bg1"/>
-                </a:solidFill>
-                <a:latin typeface="Agave"/>
-                <a:ea typeface="Agave"/>
-                <a:cs typeface="Agave"/>
-              </a:rPr>
-              <a:t>meals with </a:t>
-            </a:r>
-            <a:r>
-              <a:rPr sz="2400" b="1" i="1" u="none">
+              <a:rPr sz="2800" b="1" i="1" u="none">
                 <a:solidFill>
                   <a:schemeClr val="bg1"/>
                 </a:solidFill>
@@ -4400,7 +4229,7 @@
               <a:t>too many</a:t>
             </a:r>
             <a:r>
-              <a:rPr sz="2400">
+              <a:rPr sz="2800">
                 <a:solidFill>
                   <a:schemeClr val="bg1"/>
                 </a:solidFill>
@@ -4411,7 +4240,7 @@
               <a:t> and</a:t>
             </a:r>
             <a:r>
-              <a:rPr sz="2400">
+              <a:rPr sz="2800">
                 <a:solidFill>
                   <a:srgbClr val="92D050"/>
                 </a:solidFill>
@@ -4422,7 +4251,7 @@
               <a:t> </a:t>
             </a:r>
             <a:r>
-              <a:rPr sz="2400" b="1" i="1" u="none">
+              <a:rPr sz="2800" b="1" i="1" u="none">
                 <a:solidFill>
                   <a:schemeClr val="bg1"/>
                 </a:solidFill>
@@ -4430,10 +4259,10 @@
                 <a:ea typeface="Agave"/>
                 <a:cs typeface="Agave"/>
               </a:rPr>
-              <a:t>very few</a:t>
-            </a:r>
-            <a:r>
-              <a:rPr sz="2400">
+              <a:t>too few</a:t>
+            </a:r>
+            <a:r>
+              <a:rPr sz="2800">
                 <a:solidFill>
                   <a:schemeClr val="bg1"/>
                 </a:solidFill>
@@ -4444,7 +4273,7 @@
               <a:t> </a:t>
             </a:r>
             <a:r>
-              <a:rPr sz="2400">
+              <a:rPr sz="2800">
                 <a:solidFill>
                   <a:srgbClr val="EB6F92"/>
                 </a:solidFill>
@@ -4454,7 +4283,7 @@
               </a:rPr>
               <a:t>Carbs</a:t>
             </a:r>
-            <a:endParaRPr sz="2400">
+            <a:endParaRPr sz="2800">
               <a:solidFill>
                 <a:schemeClr val="bg1"/>
               </a:solidFill>
@@ -4561,8 +4390,8 @@
         </p:nvCxnSpPr>
         <p:spPr bwMode="auto">
           <a:xfrm flipH="0" flipV="0">
-            <a:off x="7891499" y="2841624"/>
-            <a:ext cx="0" cy="777874"/>
+            <a:off x="7891498" y="2923189"/>
+            <a:ext cx="0" cy="696308"/>
           </a:xfrm>
           <a:prstGeom prst="line">
             <a:avLst/>
@@ -4602,8 +4431,8 @@
         </p:nvSpPr>
         <p:spPr bwMode="auto">
           <a:xfrm flipH="0" flipV="0">
-            <a:off x="5784860" y="8559781"/>
-            <a:ext cx="1861761" cy="457559"/>
+            <a:off x="5784859" y="8559780"/>
+            <a:ext cx="1863560" cy="457559"/>
           </a:xfrm>
           <a:prstGeom prst="rect">
             <a:avLst/>
@@ -4621,9 +4450,7 @@
             <a:r>
               <a:rPr sz="2400">
                 <a:solidFill>
-                  <a:schemeClr val="bg1">
-                    <a:lumMod val="75000"/>
-                  </a:schemeClr>
+                  <a:schemeClr val="bg1"/>
                 </a:solidFill>
                 <a:latin typeface="Agave"/>
                 <a:cs typeface="Agave"/>
@@ -4632,156 +4459,10 @@
             </a:r>
             <a:endParaRPr sz="2400">
               <a:solidFill>
-                <a:schemeClr val="bg1">
-                  <a:lumMod val="75000"/>
-                </a:schemeClr>
+                <a:schemeClr val="bg1"/>
               </a:solidFill>
               <a:latin typeface="Agave"/>
               <a:cs typeface="Agave"/>
-            </a:endParaRPr>
-          </a:p>
-        </p:txBody>
-      </p:sp>
-      <p:sp>
-        <p:nvSpPr>
-          <p:cNvPr id="211589673" name="TextBox 6"/>
-          <p:cNvSpPr txBox="1"/>
-          <p:nvPr/>
-        </p:nvSpPr>
-        <p:spPr bwMode="auto">
-          <a:xfrm rot="0" flipH="0" flipV="0">
-            <a:off x="8875236" y="9279214"/>
-            <a:ext cx="1264301" cy="782552"/>
-          </a:xfrm>
-          <a:prstGeom prst="rect">
-            <a:avLst/>
-          </a:prstGeom>
-        </p:spPr>
-        <p:txBody>
-          <a:bodyPr lIns="0" tIns="0" rIns="0" bIns="0" rtlCol="0" anchor="t">
-            <a:spAutoFit/>
-          </a:bodyPr>
-          <a:lstStyle/>
-          <a:p>
-            <a:pPr algn="ctr">
-              <a:lnSpc>
-                <a:spcPts val="6158"/>
-              </a:lnSpc>
-              <a:defRPr/>
-            </a:pPr>
-            <a:r>
-              <a:rPr lang="en-US" sz="2600" b="0">
-                <a:solidFill>
-                  <a:schemeClr val="bg1"/>
-                </a:solidFill>
-                <a:latin typeface="Agave"/>
-                <a:ea typeface="Agave"/>
-                <a:cs typeface="Agave"/>
-              </a:rPr>
-              <a:t>1/3</a:t>
-            </a:r>
-            <a:endParaRPr sz="2600" b="0">
-              <a:solidFill>
-                <a:schemeClr val="bg1"/>
-              </a:solidFill>
-              <a:latin typeface="Tinos"/>
-              <a:cs typeface="Tinos"/>
-            </a:endParaRPr>
-          </a:p>
-        </p:txBody>
-      </p:sp>
-      <p:sp>
-        <p:nvSpPr>
-          <p:cNvPr id="1562733029" name="TextBox 6"/>
-          <p:cNvSpPr txBox="1"/>
-          <p:nvPr/>
-        </p:nvSpPr>
-        <p:spPr bwMode="auto">
-          <a:xfrm rot="0" flipH="0" flipV="0">
-            <a:off x="501507" y="9279210"/>
-            <a:ext cx="4017145" cy="782172"/>
-          </a:xfrm>
-          <a:prstGeom prst="rect">
-            <a:avLst/>
-          </a:prstGeom>
-        </p:spPr>
-        <p:txBody>
-          <a:bodyPr lIns="0" tIns="0" rIns="0" bIns="0" rtlCol="0" anchor="t">
-            <a:spAutoFit/>
-          </a:bodyPr>
-          <a:lstStyle/>
-          <a:p>
-            <a:pPr algn="ctr">
-              <a:lnSpc>
-                <a:spcPts val="6155"/>
-              </a:lnSpc>
-              <a:defRPr/>
-            </a:pPr>
-            <a:r>
-              <a:rPr lang="en-US" sz="2600" b="0">
-                <a:solidFill>
-                  <a:schemeClr val="bg1"/>
-                </a:solidFill>
-                <a:latin typeface="Agave"/>
-                <a:ea typeface="Agave"/>
-                <a:cs typeface="Agave"/>
-              </a:rPr>
-              <a:t>Counsels on Lifestyle</a:t>
-            </a:r>
-            <a:endParaRPr sz="2600" b="0">
-              <a:solidFill>
-                <a:schemeClr val="bg1"/>
-              </a:solidFill>
-              <a:latin typeface="Tinos"/>
-              <a:cs typeface="Tinos"/>
-            </a:endParaRPr>
-          </a:p>
-        </p:txBody>
-      </p:sp>
-      <p:sp>
-        <p:nvSpPr>
-          <p:cNvPr id="1432518156" name="TextBox 6"/>
-          <p:cNvSpPr txBox="1"/>
-          <p:nvPr/>
-        </p:nvSpPr>
-        <p:spPr bwMode="auto">
-          <a:xfrm rot="0" flipH="0" flipV="0">
-            <a:off x="-330294" y="-762"/>
-            <a:ext cx="11095039" cy="782425"/>
-          </a:xfrm>
-          <a:prstGeom prst="rect">
-            <a:avLst/>
-          </a:prstGeom>
-        </p:spPr>
-        <p:txBody>
-          <a:bodyPr lIns="0" tIns="0" rIns="0" bIns="0" rtlCol="0" anchor="t">
-            <a:spAutoFit/>
-          </a:bodyPr>
-          <a:lstStyle/>
-          <a:p>
-            <a:pPr algn="ctr">
-              <a:lnSpc>
-                <a:spcPts val="6157"/>
-              </a:lnSpc>
-              <a:defRPr/>
-            </a:pPr>
-            <a:r>
-              <a:rPr lang="en-US" sz="2600" b="0">
-                <a:solidFill>
-                  <a:schemeClr val="bg1"/>
-                </a:solidFill>
-                <a:latin typeface="Agave"/>
-                <a:ea typeface="Agave"/>
-                <a:cs typeface="Agave"/>
-              </a:rPr>
-              <a:t>In the Long Run, Too Few Carbs Is as Unhealthy as Too Many</a:t>
-            </a:r>
-            <a:endParaRPr sz="2600" b="0">
-              <a:solidFill>
-                <a:schemeClr val="bg1"/>
-              </a:solidFill>
-              <a:latin typeface="Tinos"/>
-              <a:cs typeface="Tinos"/>
             </a:endParaRPr>
           </a:p>
         </p:txBody>
@@ -4834,6 +4515,230 @@
           </a:p>
         </p:txBody>
       </p:sp>
+      <p:sp>
+        <p:nvSpPr>
+          <p:cNvPr id="1957094723" name="TextBox 6"/>
+          <p:cNvSpPr txBox="1"/>
+          <p:nvPr/>
+        </p:nvSpPr>
+        <p:spPr bwMode="auto">
+          <a:xfrm rot="0" flipH="0" flipV="0">
+            <a:off x="8875236" y="9443439"/>
+            <a:ext cx="1262859" cy="782552"/>
+          </a:xfrm>
+          <a:prstGeom prst="rect">
+            <a:avLst/>
+          </a:prstGeom>
+        </p:spPr>
+        <p:txBody>
+          <a:bodyPr lIns="0" tIns="0" rIns="0" bIns="0" rtlCol="0" anchor="t">
+            <a:spAutoFit/>
+          </a:bodyPr>
+          <a:lstStyle/>
+          <a:p>
+            <a:pPr algn="ctr">
+              <a:lnSpc>
+                <a:spcPts val="6158"/>
+              </a:lnSpc>
+              <a:defRPr/>
+            </a:pPr>
+            <a:r>
+              <a:rPr lang="en-US" sz="2600" b="0">
+                <a:solidFill>
+                  <a:schemeClr val="bg1"/>
+                </a:solidFill>
+                <a:latin typeface="Agave"/>
+                <a:ea typeface="Agave"/>
+                <a:cs typeface="Agave"/>
+              </a:rPr>
+              <a:t>1/3</a:t>
+            </a:r>
+            <a:endParaRPr sz="2600" b="0">
+              <a:solidFill>
+                <a:schemeClr val="bg1"/>
+              </a:solidFill>
+              <a:latin typeface="Tinos"/>
+              <a:cs typeface="Tinos"/>
+            </a:endParaRPr>
+          </a:p>
+        </p:txBody>
+      </p:sp>
+      <p:sp>
+        <p:nvSpPr>
+          <p:cNvPr id="296778447" name="TextBox 6"/>
+          <p:cNvSpPr txBox="1"/>
+          <p:nvPr/>
+        </p:nvSpPr>
+        <p:spPr bwMode="auto">
+          <a:xfrm rot="0" flipH="0" flipV="0">
+            <a:off x="173058" y="9377743"/>
+            <a:ext cx="4017864" cy="782172"/>
+          </a:xfrm>
+          <a:prstGeom prst="rect">
+            <a:avLst/>
+          </a:prstGeom>
+        </p:spPr>
+        <p:txBody>
+          <a:bodyPr lIns="0" tIns="0" rIns="0" bIns="0" rtlCol="0" anchor="t">
+            <a:spAutoFit/>
+          </a:bodyPr>
+          <a:lstStyle/>
+          <a:p>
+            <a:pPr algn="ctr">
+              <a:lnSpc>
+                <a:spcPts val="6155"/>
+              </a:lnSpc>
+              <a:defRPr/>
+            </a:pPr>
+            <a:r>
+              <a:rPr lang="en-US" sz="2600" b="0">
+                <a:solidFill>
+                  <a:schemeClr val="bg1"/>
+                </a:solidFill>
+                <a:latin typeface="Agave"/>
+                <a:ea typeface="Agave"/>
+                <a:cs typeface="Agave"/>
+              </a:rPr>
+              <a:t>Counsels on Lifestyle</a:t>
+            </a:r>
+            <a:endParaRPr sz="2600" b="0">
+              <a:solidFill>
+                <a:schemeClr val="bg1"/>
+              </a:solidFill>
+              <a:latin typeface="Tinos"/>
+              <a:cs typeface="Tinos"/>
+            </a:endParaRPr>
+          </a:p>
+        </p:txBody>
+      </p:sp>
+      <p:cxnSp>
+        <p:nvCxnSpPr>
+          <p:cNvPr id="879746669" name=""/>
+          <p:cNvCxnSpPr>
+            <a:cxnSpLocks/>
+          </p:cNvCxnSpPr>
+          <p:nvPr/>
+        </p:nvCxnSpPr>
+        <p:spPr bwMode="auto">
+          <a:xfrm flipH="0" flipV="0">
+            <a:off x="13611" y="9578863"/>
+            <a:ext cx="10247581" cy="75540"/>
+          </a:xfrm>
+          <a:prstGeom prst="line">
+            <a:avLst/>
+          </a:prstGeom>
+          <a:ln w="38099" cap="flat" cmpd="sng" algn="ctr">
+            <a:solidFill>
+              <a:schemeClr val="bg1"/>
+            </a:solidFill>
+            <a:prstDash val="solid"/>
+          </a:ln>
+        </p:spPr>
+        <p:style>
+          <a:lnRef idx="1">
+            <a:schemeClr val="accent1">
+              <a:shade val="50000"/>
+            </a:schemeClr>
+          </a:lnRef>
+          <a:fillRef idx="0">
+            <a:schemeClr val="accent1"/>
+          </a:fillRef>
+          <a:effectRef idx="0">
+            <a:schemeClr val="accent1"/>
+          </a:effectRef>
+          <a:fontRef idx="minor">
+            <a:schemeClr val="tx1"/>
+          </a:fontRef>
+        </p:style>
+      </p:cxnSp>
+      <p:sp>
+        <p:nvSpPr>
+          <p:cNvPr id="1486099545" name="TextBox 6"/>
+          <p:cNvSpPr txBox="1"/>
+          <p:nvPr/>
+        </p:nvSpPr>
+        <p:spPr bwMode="auto">
+          <a:xfrm rot="0" flipH="0" flipV="0">
+            <a:off x="529525" y="327683"/>
+            <a:ext cx="9488456" cy="1097639"/>
+          </a:xfrm>
+          <a:prstGeom prst="rect">
+            <a:avLst/>
+          </a:prstGeom>
+        </p:spPr>
+        <p:txBody>
+          <a:bodyPr lIns="0" tIns="0" rIns="0" bIns="0" rtlCol="0" anchor="t">
+            <a:spAutoFit/>
+          </a:bodyPr>
+          <a:lstStyle/>
+          <a:p>
+            <a:pPr algn="l">
+              <a:lnSpc>
+                <a:spcPct val="100000"/>
+              </a:lnSpc>
+              <a:defRPr/>
+            </a:pPr>
+            <a:r>
+              <a:rPr lang="en-US" sz="3600" b="0">
+                <a:solidFill>
+                  <a:schemeClr val="bg1"/>
+                </a:solidFill>
+                <a:latin typeface="Agave"/>
+                <a:ea typeface="Agave"/>
+                <a:cs typeface="Agave"/>
+              </a:rPr>
+              <a:t>Eating 50-55% Carbs Per Meal is Healthier Than Either Extreme</a:t>
+            </a:r>
+            <a:endParaRPr sz="3600" b="0">
+              <a:solidFill>
+                <a:schemeClr val="bg1"/>
+              </a:solidFill>
+              <a:latin typeface="Tinos"/>
+              <a:cs typeface="Tinos"/>
+            </a:endParaRPr>
+          </a:p>
+        </p:txBody>
+      </p:sp>
+      <p:cxnSp>
+        <p:nvCxnSpPr>
+          <p:cNvPr id="1060687877" name=""/>
+          <p:cNvCxnSpPr>
+            <a:cxnSpLocks/>
+          </p:cNvCxnSpPr>
+          <p:nvPr/>
+        </p:nvCxnSpPr>
+        <p:spPr bwMode="auto">
+          <a:xfrm flipH="0" flipV="0">
+            <a:off x="1787" y="1520056"/>
+            <a:ext cx="10247581" cy="75540"/>
+          </a:xfrm>
+          <a:prstGeom prst="line">
+            <a:avLst/>
+          </a:prstGeom>
+          <a:ln w="38099" cap="flat" cmpd="sng" algn="ctr">
+            <a:solidFill>
+              <a:schemeClr val="bg1"/>
+            </a:solidFill>
+            <a:prstDash val="solid"/>
+          </a:ln>
+        </p:spPr>
+        <p:style>
+          <a:lnRef idx="1">
+            <a:schemeClr val="accent1">
+              <a:shade val="50000"/>
+            </a:schemeClr>
+          </a:lnRef>
+          <a:fillRef idx="0">
+            <a:schemeClr val="accent1"/>
+          </a:fillRef>
+          <a:effectRef idx="0">
+            <a:schemeClr val="accent1"/>
+          </a:effectRef>
+          <a:fontRef idx="minor">
+            <a:schemeClr val="tx1"/>
+          </a:fontRef>
+        </p:style>
+      </p:cxnSp>
     </p:spTree>
   </p:cSld>
   <p:clrMapOvr>
@@ -4856,10 +4761,9 @@
     <p:bg>
       <p:bgPr shadeToTitle="0">
         <a:solidFill>
-          <a:schemeClr val="accent4">
-            <a:lumMod val="50000"/>
+          <a:srgbClr val="26233A">
             <a:alpha val="99999"/>
-          </a:schemeClr>
+          </a:srgbClr>
         </a:solidFill>
       </p:bgPr>
     </p:bg>
@@ -4879,55 +4783,14 @@
       </p:grpSpPr>
       <p:sp>
         <p:nvSpPr>
-          <p:cNvPr id="795127148" name=""/>
-          <p:cNvSpPr/>
-          <p:nvPr/>
-        </p:nvSpPr>
-        <p:spPr bwMode="auto">
-          <a:xfrm flipH="0" flipV="0">
-            <a:off x="581145" y="1619247"/>
-            <a:ext cx="9081798" cy="7938594"/>
-          </a:xfrm>
-          <a:prstGeom prst="roundRect">
-            <a:avLst>
-              <a:gd name="adj" fmla="val 3765"/>
-            </a:avLst>
-          </a:prstGeom>
-          <a:solidFill>
-            <a:srgbClr val="232136"/>
-          </a:solidFill>
-          <a:ln w="28575" cap="flat" cmpd="sng" algn="ctr">
-            <a:noFill/>
-            <a:prstDash val="solid"/>
-          </a:ln>
-        </p:spPr>
-        <p:style>
-          <a:lnRef idx="2">
-            <a:schemeClr val="accent1">
-              <a:shade val="50000"/>
-            </a:schemeClr>
-          </a:lnRef>
-          <a:fillRef idx="1">
-            <a:schemeClr val="accent1"/>
-          </a:fillRef>
-          <a:effectRef idx="0">
-            <a:schemeClr val="accent1"/>
-          </a:effectRef>
-          <a:fontRef idx="minor">
-            <a:schemeClr val="lt1"/>
-          </a:fontRef>
-        </p:style>
-      </p:sp>
-      <p:sp>
-        <p:nvSpPr>
           <p:cNvPr id="1708333852" name=""/>
           <p:cNvSpPr txBox="1"/>
           <p:nvPr/>
         </p:nvSpPr>
         <p:spPr bwMode="auto">
           <a:xfrm flipH="0" flipV="0">
-            <a:off x="970763" y="1816313"/>
-            <a:ext cx="8527471" cy="7407000"/>
+            <a:off x="970762" y="1051034"/>
+            <a:ext cx="8361969" cy="8016599"/>
           </a:xfrm>
           <a:prstGeom prst="rect">
             <a:avLst/>
@@ -4943,7 +4806,7 @@
               <a:defRPr/>
             </a:pPr>
             <a:r>
-              <a:rPr lang="en-US" sz="2400" b="0" i="0" u="none" strike="noStrike" cap="none" spc="0">
+              <a:rPr lang="en-US" sz="3600" b="0" i="0" u="none" strike="noStrike" cap="none" spc="0">
                 <a:solidFill>
                   <a:schemeClr val="bg1"/>
                 </a:solidFill>
@@ -4954,7 +4817,7 @@
               <a:t>Low carbohydrate diets that </a:t>
             </a:r>
             <a:r>
-              <a:rPr lang="en-US" sz="2400" b="0" i="0" u="none" strike="noStrike" cap="none" spc="0">
+              <a:rPr lang="en-US" sz="3600" b="0" i="0" u="none" strike="noStrike" cap="none" spc="0">
                 <a:solidFill>
                   <a:srgbClr val="00B0F0"/>
                 </a:solidFill>
@@ -4965,7 +4828,7 @@
               <a:t>exchange </a:t>
             </a:r>
             <a:r>
-              <a:rPr lang="en-US" sz="2400" b="0" i="0" u="none" strike="noStrike" cap="none" spc="0">
+              <a:rPr lang="en-US" sz="3600" b="0" i="0" u="none" strike="noStrike" cap="none" spc="0">
                 <a:solidFill>
                   <a:srgbClr val="00B0F0"/>
                 </a:solidFill>
@@ -4976,7 +4839,7 @@
               <a:t>carbohydrates for a greater intake of protein</a:t>
             </a:r>
             <a:r>
-              <a:rPr lang="en-US" sz="2400" b="0" i="0" u="none" strike="noStrike" cap="none" spc="0">
+              <a:rPr lang="en-US" sz="3600" b="0" i="0" u="none" strike="noStrike" cap="none" spc="0">
                 <a:solidFill>
                   <a:schemeClr val="bg1"/>
                 </a:solidFill>
@@ -4987,7 +4850,7 @@
               <a:t> or fat have </a:t>
             </a:r>
             <a:r>
-              <a:rPr lang="en-US" sz="2400" b="0" i="0" u="none" strike="noStrike" cap="none" spc="0">
+              <a:rPr lang="en-US" sz="3600" b="0" i="0" u="none" strike="noStrike" cap="none" spc="0">
                 <a:solidFill>
                   <a:schemeClr val="bg1"/>
                 </a:solidFill>
@@ -4998,7 +4861,7 @@
               <a:t>gained </a:t>
             </a:r>
             <a:r>
-              <a:rPr lang="en-US" sz="2400" b="0" i="0" u="none" strike="noStrike" cap="none" spc="0">
+              <a:rPr lang="en-US" sz="3600" b="0" i="0" u="none" strike="noStrike" cap="none" spc="0">
                 <a:solidFill>
                   <a:srgbClr val="FFC000"/>
                 </a:solidFill>
@@ -5009,7 +4872,7 @@
               <a:t>substantial popularity</a:t>
             </a:r>
             <a:r>
-              <a:rPr lang="en-US" sz="2400" b="0" i="0" u="none" strike="noStrike" cap="none" spc="0">
+              <a:rPr lang="en-US" sz="3600" b="0" i="0" u="none" strike="noStrike" cap="none" spc="0">
                 <a:solidFill>
                   <a:schemeClr val="bg1"/>
                 </a:solidFill>
@@ -5020,7 +4883,7 @@
               <a:t> because of their ability to </a:t>
             </a:r>
             <a:r>
-              <a:rPr lang="en-US" sz="2400" b="0" i="0" u="none" strike="noStrike" cap="none" spc="0">
+              <a:rPr lang="en-US" sz="3600" b="0" i="0" u="none" strike="noStrike" cap="none" spc="0">
                 <a:solidFill>
                   <a:srgbClr val="92D050"/>
                 </a:solidFill>
@@ -5031,7 +4894,7 @@
               <a:t>induce short-term weight loss</a:t>
             </a:r>
             <a:r>
-              <a:rPr lang="en-US" sz="2400" b="0" i="0" u="none" strike="noStrike" cap="none" spc="0">
+              <a:rPr lang="en-US" sz="3600" b="0" i="0" u="none" strike="noStrike" cap="none" spc="0">
                 <a:solidFill>
                   <a:schemeClr val="bg1"/>
                 </a:solidFill>
@@ -5039,75 +4902,9 @@
                 <a:ea typeface="Agave"/>
                 <a:cs typeface="Agave"/>
               </a:rPr>
-              <a:t> ...despite </a:t>
-            </a:r>
-            <a:r>
-              <a:rPr lang="en-US" sz="2400" b="0" i="0" u="none" strike="noStrike" cap="none" spc="0">
-                <a:solidFill>
-                  <a:srgbClr val="EB6F92"/>
-                </a:solidFill>
-                <a:latin typeface="Agave"/>
-                <a:ea typeface="Agave"/>
-                <a:cs typeface="Agave"/>
-              </a:rPr>
-              <a:t>incomplete and </a:t>
-            </a:r>
-            <a:r>
-              <a:rPr lang="en-US" sz="2400" b="0" i="0" u="none" strike="noStrike" cap="none" spc="0">
-                <a:solidFill>
-                  <a:srgbClr val="EB6F92"/>
-                </a:solidFill>
-                <a:latin typeface="Agave"/>
-                <a:ea typeface="Agave"/>
-                <a:cs typeface="Agave"/>
-              </a:rPr>
-              <a:t>conflicting data regarding their long-term effec</a:t>
-            </a:r>
-            <a:r>
-              <a:rPr lang="en-US" sz="2400" b="0" i="0" u="none" strike="noStrike" cap="none" spc="0">
-                <a:solidFill>
-                  <a:srgbClr val="EB6F92"/>
-                </a:solidFill>
-                <a:latin typeface="Agave"/>
-                <a:ea typeface="Agave"/>
-                <a:cs typeface="Agave"/>
-              </a:rPr>
-              <a:t>t</a:t>
-            </a:r>
-            <a:r>
-              <a:rPr lang="en-US" sz="2400" b="0" i="0" u="none" strike="noStrike" cap="none" spc="0">
-                <a:solidFill>
-                  <a:srgbClr val="EB6F92"/>
-                </a:solidFill>
-                <a:latin typeface="Agave"/>
-                <a:ea typeface="Agave"/>
-                <a:cs typeface="Agave"/>
-              </a:rPr>
-              <a:t>s</a:t>
-            </a:r>
-            <a:r>
-              <a:rPr lang="en-US" sz="2400" b="0" i="0" u="none" strike="noStrike" cap="none" spc="0">
-                <a:solidFill>
-                  <a:schemeClr val="bg1"/>
-                </a:solidFill>
-                <a:latin typeface="Agave"/>
-                <a:ea typeface="Agave"/>
-                <a:cs typeface="Agave"/>
-              </a:rPr>
-              <a:t> on </a:t>
-            </a:r>
-            <a:r>
-              <a:rPr lang="en-US" sz="2400" b="0" i="0" u="none" strike="noStrike" cap="none" spc="0">
-                <a:solidFill>
-                  <a:schemeClr val="bg1"/>
-                </a:solidFill>
-                <a:latin typeface="Agave"/>
-                <a:ea typeface="Agave"/>
-                <a:cs typeface="Agave"/>
-              </a:rPr>
-              <a:t>health outcomes</a:t>
-            </a:r>
-            <a:endParaRPr lang="en-US" sz="2400" b="0" i="0" u="none" strike="noStrike" cap="none" spc="0">
+              <a:t> </a:t>
+            </a:r>
+            <a:endParaRPr lang="en-US" sz="3600" b="0" i="0" u="none" strike="noStrike" cap="none" spc="0">
               <a:solidFill>
                 <a:schemeClr val="bg1"/>
               </a:solidFill>
@@ -5120,7 +4917,7 @@
             <a:pPr>
               <a:defRPr/>
             </a:pPr>
-            <a:endParaRPr lang="en-US" sz="2400" b="0" i="0" u="none" strike="noStrike" cap="none" spc="0">
+            <a:endParaRPr lang="en-US" sz="3600" b="0" i="0" u="none" strike="noStrike" cap="none" spc="0">
               <a:solidFill>
                 <a:schemeClr val="bg1"/>
               </a:solidFill>
@@ -5134,51 +4931,76 @@
               <a:defRPr/>
             </a:pPr>
             <a:r>
-              <a:rPr lang="en-US" sz="2400" b="0" i="0" u="none" strike="noStrike" cap="none" spc="0">
-                <a:solidFill>
-                  <a:schemeClr val="bg1"/>
+              <a:rPr lang="en-US" sz="3600" b="0" i="0" u="none" strike="noStrike" cap="none" spc="0">
+                <a:solidFill>
+                  <a:srgbClr val="92D050"/>
                 </a:solidFill>
                 <a:latin typeface="Agave"/>
                 <a:ea typeface="Agave"/>
                 <a:cs typeface="Agave"/>
               </a:rPr>
-              <a:t>We studied a large prospective cohort, </a:t>
-            </a:r>
-            <a:r>
-              <a:rPr lang="en-US" sz="2400" b="0" i="0" u="none" strike="noStrike" cap="none" spc="0">
-                <a:solidFill>
-                  <a:srgbClr val="00B0F0"/>
+              <a:t>50–55% energy from carbohydrate had the lowest risk of mortality</a:t>
+            </a:r>
+            <a:r>
+              <a:rPr lang="en-US" sz="3600" b="0" i="0" u="none" strike="noStrike" cap="none" spc="0">
+                <a:solidFill>
+                  <a:schemeClr val="bg1"/>
                 </a:solidFill>
                 <a:latin typeface="Agave"/>
                 <a:ea typeface="Agave"/>
                 <a:cs typeface="Agave"/>
               </a:rPr>
-              <a:t>with a median follow-up </a:t>
-            </a:r>
-            <a:r>
-              <a:rPr lang="en-US" sz="2400" b="0" i="0" u="none" strike="noStrike" cap="none" spc="0">
-                <a:solidFill>
-                  <a:srgbClr val="00B0F0"/>
+              <a:t>.</a:t>
+            </a:r>
+            <a:endParaRPr lang="en-US" sz="3600" b="0" i="0" u="none" strike="noStrike" cap="none" spc="0">
+              <a:solidFill>
+                <a:schemeClr val="bg1"/>
+              </a:solidFill>
+              <a:latin typeface="Agave"/>
+              <a:ea typeface="Agave"/>
+              <a:cs typeface="Agave"/>
+            </a:endParaRPr>
+          </a:p>
+          <a:p>
+            <a:pPr>
+              <a:defRPr/>
+            </a:pPr>
+            <a:endParaRPr lang="en-US" sz="3600" b="0" i="0" u="none" strike="noStrike" cap="none" spc="0">
+              <a:solidFill>
+                <a:schemeClr val="bg1"/>
+              </a:solidFill>
+              <a:latin typeface="Agave"/>
+              <a:cs typeface="Agave"/>
+            </a:endParaRPr>
+          </a:p>
+          <a:p>
+            <a:pPr>
+              <a:defRPr/>
+            </a:pPr>
+            <a:r>
+              <a:rPr lang="en-US" sz="3600" b="0" i="0" u="none" strike="noStrike" cap="none" spc="0">
+                <a:solidFill>
+                  <a:schemeClr val="bg1"/>
                 </a:solidFill>
                 <a:latin typeface="Agave"/>
                 <a:ea typeface="Agave"/>
                 <a:cs typeface="Agave"/>
               </a:rPr>
-              <a:t>of 25 years</a:t>
-            </a:r>
-            <a:r>
-              <a:rPr lang="en-US" sz="2400" b="0" i="0" u="none" strike="noStrike" cap="none" spc="0">
-                <a:solidFill>
-                  <a:schemeClr val="bg1"/>
+              <a:t>Both </a:t>
+            </a:r>
+            <a:r>
+              <a:rPr lang="en-US" sz="3600" b="0" i="0" u="none" strike="noStrike" cap="none" spc="0">
+                <a:solidFill>
+                  <a:srgbClr val="92D050"/>
                 </a:solidFill>
                 <a:latin typeface="Agave"/>
                 <a:ea typeface="Agave"/>
                 <a:cs typeface="Agave"/>
               </a:rPr>
-              <a:t>, to examine the association of carbohydrate intake </a:t>
-            </a:r>
-            <a:r>
-              <a:rPr lang="en-US" sz="2400" b="0" i="0" u="none" strike="noStrike" cap="none" spc="0">
+              <a:t>low (&lt;40%)</a:t>
+            </a:r>
+            <a:r>
+              <a:rPr lang="en-US" sz="3600" b="0" i="0" u="none" strike="noStrike" cap="none" spc="0">
                 <a:solidFill>
                   <a:schemeClr val="bg1"/>
                 </a:solidFill>
@@ -5186,30 +5008,75 @@
                 <a:ea typeface="Agave"/>
                 <a:cs typeface="Agave"/>
               </a:rPr>
-              <a:t>with mortality in </a:t>
-            </a:r>
-            <a:r>
-              <a:rPr lang="en-US" sz="2400" b="0" i="0" u="none" strike="noStrike" cap="none" spc="0">
-                <a:solidFill>
-                  <a:srgbClr val="00B0F0"/>
+              <a:t> and </a:t>
+            </a:r>
+            <a:r>
+              <a:rPr lang="en-US" sz="3600" b="0" i="0" u="none" strike="noStrike" cap="none" spc="0">
+                <a:solidFill>
+                  <a:srgbClr val="92D050"/>
                 </a:solidFill>
                 <a:latin typeface="Agave"/>
                 <a:ea typeface="Agave"/>
                 <a:cs typeface="Agave"/>
               </a:rPr>
-              <a:t>four US communities from diverse </a:t>
-            </a:r>
-            <a:r>
-              <a:rPr lang="en-US" sz="2400" b="0" i="0" u="none" strike="noStrike" cap="none" spc="0">
-                <a:solidFill>
-                  <a:srgbClr val="00B0F0"/>
+              <a:t>high carbohydrate </a:t>
+            </a:r>
+            <a:r>
+              <a:rPr lang="en-US" sz="3600" b="0" i="0" u="none" strike="noStrike" cap="none" spc="0">
+                <a:solidFill>
+                  <a:srgbClr val="92D050"/>
                 </a:solidFill>
                 <a:latin typeface="Agave"/>
                 <a:ea typeface="Agave"/>
                 <a:cs typeface="Agave"/>
               </a:rPr>
-              <a:t>socioeconomic backgrounds</a:t>
-            </a:r>
+              <a:t>consumption (&gt;70%)</a:t>
+            </a:r>
+            <a:r>
+              <a:rPr lang="en-US" sz="3600" b="0" i="0" u="none" strike="noStrike" cap="none" spc="0">
+                <a:solidFill>
+                  <a:schemeClr val="bg1"/>
+                </a:solidFill>
+                <a:latin typeface="Agave"/>
+                <a:ea typeface="Agave"/>
+                <a:cs typeface="Agave"/>
+              </a:rPr>
+              <a:t> had </a:t>
+            </a:r>
+            <a:r>
+              <a:rPr lang="en-US" sz="3600" b="0" i="0" u="none" strike="noStrike" cap="none" spc="0">
+                <a:solidFill>
+                  <a:srgbClr val="FFC000"/>
+                </a:solidFill>
+                <a:latin typeface="Agave"/>
+                <a:ea typeface="Agave"/>
+                <a:cs typeface="Agave"/>
+              </a:rPr>
+              <a:t>greater mortality risk</a:t>
+            </a:r>
+            <a:r>
+              <a:rPr lang="en-US" sz="3600" b="0" i="0" u="none" strike="noStrike" cap="none" spc="0">
+                <a:solidFill>
+                  <a:schemeClr val="bg1"/>
+                </a:solidFill>
+                <a:latin typeface="Agave"/>
+                <a:ea typeface="Agave"/>
+                <a:cs typeface="Agave"/>
+              </a:rPr>
+              <a:t> </a:t>
+            </a:r>
+            <a:endParaRPr lang="en-US" sz="3600" b="0" i="0" u="none" strike="noStrike" cap="none" spc="0">
+              <a:solidFill>
+                <a:schemeClr val="bg1"/>
+              </a:solidFill>
+              <a:latin typeface="Agave"/>
+              <a:cs typeface="Agave"/>
+            </a:endParaRPr>
+          </a:p>
+          <a:p>
+            <a:pPr>
+              <a:defRPr/>
+            </a:pPr>
             <a:endParaRPr lang="en-US" sz="2400" b="0" i="0" u="none" strike="noStrike" cap="none" spc="0">
               <a:solidFill>
                 <a:schemeClr val="bg1"/>
@@ -5222,21 +5089,8 @@
             <a:pPr>
               <a:defRPr/>
             </a:pPr>
-            <a:endParaRPr lang="en-US" sz="2400" b="0" i="0" u="none" strike="noStrike" cap="none" spc="0">
-              <a:solidFill>
-                <a:schemeClr val="bg1"/>
-              </a:solidFill>
-              <a:latin typeface="Agave"/>
-              <a:ea typeface="Agave"/>
-              <a:cs typeface="Agave"/>
-            </a:endParaRPr>
-          </a:p>
-          <a:p>
-            <a:pPr>
-              <a:defRPr/>
-            </a:pPr>
-            <a:r>
-              <a:rPr lang="en-US" sz="2400" b="0" i="0" u="none" strike="noStrike" cap="none" spc="0">
+            <a:r>
+              <a:rPr lang="en-US" sz="2800" b="0" i="1" u="none" strike="noStrike" cap="none" spc="0">
                 <a:solidFill>
                   <a:schemeClr val="bg1"/>
                 </a:solidFill>
@@ -5244,391 +5098,14 @@
                 <a:ea typeface="Agave"/>
                 <a:cs typeface="Agave"/>
               </a:rPr>
-              <a:t>a percentage of </a:t>
-            </a:r>
-            <a:r>
-              <a:rPr lang="en-US" sz="2400" b="0" i="0" u="none" strike="noStrike" cap="none" spc="0">
-                <a:solidFill>
-                  <a:srgbClr val="92D050"/>
-                </a:solidFill>
-                <a:latin typeface="Agave"/>
-                <a:ea typeface="Agave"/>
-                <a:cs typeface="Agave"/>
-              </a:rPr>
-              <a:t>50–55% energy from carbohydrate was associated with the lowest risk of mortality</a:t>
-            </a:r>
-            <a:r>
-              <a:rPr lang="en-US" sz="2400" b="0" i="0" u="none" strike="noStrike" cap="none" spc="0">
-                <a:solidFill>
-                  <a:schemeClr val="bg1"/>
-                </a:solidFill>
-                <a:latin typeface="Agave"/>
-                <a:ea typeface="Agave"/>
-                <a:cs typeface="Agave"/>
-              </a:rPr>
-              <a:t>.</a:t>
-            </a:r>
-            <a:endParaRPr lang="en-US" sz="2400" b="0" i="0" u="none" strike="noStrike" cap="none" spc="0">
-              <a:solidFill>
-                <a:schemeClr val="bg1"/>
-              </a:solidFill>
-              <a:latin typeface="Agave"/>
-              <a:ea typeface="Agave"/>
-              <a:cs typeface="Agave"/>
-            </a:endParaRPr>
-          </a:p>
-          <a:p>
-            <a:pPr>
-              <a:defRPr/>
-            </a:pPr>
-            <a:endParaRPr lang="en-US" sz="2400" b="0" i="0" u="none" strike="noStrike" cap="none" spc="0">
+              <a:t>Seidelmann et al, Lancet Public Health 2018; </a:t>
+            </a:r>
+            <a:endParaRPr sz="2800" b="0" i="1" u="none" strike="noStrike" cap="none" spc="0">
               <a:solidFill>
                 <a:schemeClr val="bg1"/>
               </a:solidFill>
               <a:latin typeface="Agave"/>
               <a:cs typeface="Agave"/>
-            </a:endParaRPr>
-          </a:p>
-          <a:p>
-            <a:pPr>
-              <a:defRPr/>
-            </a:pPr>
-            <a:r>
-              <a:rPr lang="en-US" sz="2400" b="0" i="0" u="none" strike="noStrike" cap="none" spc="0">
-                <a:solidFill>
-                  <a:schemeClr val="bg1"/>
-                </a:solidFill>
-                <a:latin typeface="Agave"/>
-                <a:ea typeface="Agave"/>
-                <a:cs typeface="Agave"/>
-              </a:rPr>
-              <a:t>Both </a:t>
-            </a:r>
-            <a:r>
-              <a:rPr lang="en-US" sz="2400" b="0" i="0" u="none" strike="noStrike" cap="none" spc="0">
-                <a:solidFill>
-                  <a:srgbClr val="92D050"/>
-                </a:solidFill>
-                <a:latin typeface="Agave"/>
-                <a:ea typeface="Agave"/>
-                <a:cs typeface="Agave"/>
-              </a:rPr>
-              <a:t>low carbohydrate consumption (&lt;40%)</a:t>
-            </a:r>
-            <a:r>
-              <a:rPr lang="en-US" sz="2400" b="0" i="0" u="none" strike="noStrike" cap="none" spc="0">
-                <a:solidFill>
-                  <a:schemeClr val="bg1"/>
-                </a:solidFill>
-                <a:latin typeface="Agave"/>
-                <a:ea typeface="Agave"/>
-                <a:cs typeface="Agave"/>
-              </a:rPr>
-              <a:t> and </a:t>
-            </a:r>
-            <a:r>
-              <a:rPr lang="en-US" sz="2400" b="0" i="0" u="none" strike="noStrike" cap="none" spc="0">
-                <a:solidFill>
-                  <a:srgbClr val="92D050"/>
-                </a:solidFill>
-                <a:latin typeface="Agave"/>
-                <a:ea typeface="Agave"/>
-                <a:cs typeface="Agave"/>
-              </a:rPr>
-              <a:t>high carbohydrate </a:t>
-            </a:r>
-            <a:r>
-              <a:rPr lang="en-US" sz="2400" b="0" i="0" u="none" strike="noStrike" cap="none" spc="0">
-                <a:solidFill>
-                  <a:srgbClr val="92D050"/>
-                </a:solidFill>
-                <a:latin typeface="Agave"/>
-                <a:ea typeface="Agave"/>
-                <a:cs typeface="Agave"/>
-              </a:rPr>
-              <a:t>consumption (&gt;70%)</a:t>
-            </a:r>
-            <a:r>
-              <a:rPr lang="en-US" sz="2400" b="0" i="0" u="none" strike="noStrike" cap="none" spc="0">
-                <a:solidFill>
-                  <a:schemeClr val="bg1"/>
-                </a:solidFill>
-                <a:latin typeface="Agave"/>
-                <a:ea typeface="Agave"/>
-                <a:cs typeface="Agave"/>
-              </a:rPr>
-              <a:t> conferred </a:t>
-            </a:r>
-            <a:r>
-              <a:rPr lang="en-US" sz="2400" b="0" i="0" u="none" strike="noStrike" cap="none" spc="0">
-                <a:solidFill>
-                  <a:srgbClr val="FFC000"/>
-                </a:solidFill>
-                <a:latin typeface="Agave"/>
-                <a:ea typeface="Agave"/>
-                <a:cs typeface="Agave"/>
-              </a:rPr>
-              <a:t>greater mortality risk</a:t>
-            </a:r>
-            <a:r>
-              <a:rPr lang="en-US" sz="2400" b="0" i="0" u="none" strike="noStrike" cap="none" spc="0">
-                <a:solidFill>
-                  <a:schemeClr val="bg1"/>
-                </a:solidFill>
-                <a:latin typeface="Agave"/>
-                <a:ea typeface="Agave"/>
-                <a:cs typeface="Agave"/>
-              </a:rPr>
-              <a:t> than did moderate intake,</a:t>
-            </a:r>
-            <a:endParaRPr lang="en-US" sz="2400" b="0" i="0" u="none" strike="noStrike" cap="none" spc="0">
-              <a:solidFill>
-                <a:schemeClr val="bg1"/>
-              </a:solidFill>
-              <a:latin typeface="Agave"/>
-              <a:cs typeface="Agave"/>
-            </a:endParaRPr>
-          </a:p>
-          <a:p>
-            <a:pPr>
-              <a:defRPr/>
-            </a:pPr>
-            <a:endParaRPr lang="en-US" sz="2400" b="0" i="0" u="none" strike="noStrike" cap="none" spc="0">
-              <a:solidFill>
-                <a:schemeClr val="bg1"/>
-              </a:solidFill>
-              <a:latin typeface="Agave"/>
-              <a:cs typeface="Agave"/>
-            </a:endParaRPr>
-          </a:p>
-          <a:p>
-            <a:pPr marL="349965" indent="-349965">
-              <a:buFont typeface="Arial"/>
-              <a:buChar char="–"/>
-              <a:defRPr/>
-            </a:pPr>
-            <a:r>
-              <a:rPr lang="en-US" sz="2400" b="0" i="1" u="none" strike="noStrike" cap="none" spc="0">
-                <a:solidFill>
-                  <a:srgbClr val="EB6F92"/>
-                </a:solidFill>
-                <a:latin typeface="Agave"/>
-                <a:cs typeface="Agave"/>
-              </a:rPr>
-              <a:t>Seidelmann et al (2018)</a:t>
-            </a:r>
-            <a:endParaRPr sz="2400" b="0" i="1" u="none" strike="noStrike" cap="none" spc="0">
-              <a:solidFill>
-                <a:srgbClr val="EB6F92"/>
-              </a:solidFill>
-              <a:latin typeface="Agave"/>
-              <a:cs typeface="Agave"/>
-            </a:endParaRPr>
-          </a:p>
-        </p:txBody>
-      </p:sp>
-      <p:sp>
-        <p:nvSpPr>
-          <p:cNvPr id="477860650" name="TextBox 6"/>
-          <p:cNvSpPr txBox="1"/>
-          <p:nvPr/>
-        </p:nvSpPr>
-        <p:spPr bwMode="auto">
-          <a:xfrm rot="0" flipH="0" flipV="0">
-            <a:off x="8875236" y="9279214"/>
-            <a:ext cx="1264301" cy="782552"/>
-          </a:xfrm>
-          <a:prstGeom prst="rect">
-            <a:avLst/>
-          </a:prstGeom>
-        </p:spPr>
-        <p:txBody>
-          <a:bodyPr lIns="0" tIns="0" rIns="0" bIns="0" rtlCol="0" anchor="t">
-            <a:spAutoFit/>
-          </a:bodyPr>
-          <a:lstStyle/>
-          <a:p>
-            <a:pPr algn="ctr">
-              <a:lnSpc>
-                <a:spcPts val="6158"/>
-              </a:lnSpc>
-              <a:defRPr/>
-            </a:pPr>
-            <a:r>
-              <a:rPr lang="en-US" sz="2600" b="0">
-                <a:solidFill>
-                  <a:schemeClr val="bg1"/>
-                </a:solidFill>
-                <a:latin typeface="Agave"/>
-                <a:ea typeface="Agave"/>
-                <a:cs typeface="Agave"/>
-              </a:rPr>
-              <a:t>2/3</a:t>
-            </a:r>
-            <a:endParaRPr sz="2600" b="0">
-              <a:solidFill>
-                <a:schemeClr val="bg1"/>
-              </a:solidFill>
-              <a:latin typeface="Tinos"/>
-              <a:cs typeface="Tinos"/>
-            </a:endParaRPr>
-          </a:p>
-        </p:txBody>
-      </p:sp>
-      <p:sp>
-        <p:nvSpPr>
-          <p:cNvPr id="1633727519" name="TextBox 6"/>
-          <p:cNvSpPr txBox="1"/>
-          <p:nvPr/>
-        </p:nvSpPr>
-        <p:spPr bwMode="auto">
-          <a:xfrm rot="0" flipH="0" flipV="0">
-            <a:off x="-80784" y="1039234"/>
-            <a:ext cx="10594577" cy="335639"/>
-          </a:xfrm>
-          <a:prstGeom prst="rect">
-            <a:avLst/>
-          </a:prstGeom>
-        </p:spPr>
-        <p:txBody>
-          <a:bodyPr lIns="0" tIns="0" rIns="0" bIns="0" rtlCol="0" anchor="t">
-            <a:spAutoFit/>
-          </a:bodyPr>
-          <a:lstStyle/>
-          <a:p>
-            <a:pPr algn="ctr">
-              <a:defRPr/>
-            </a:pPr>
-            <a:r>
-              <a:rPr lang="en-US" sz="2200" b="0" i="0" u="none" strike="noStrike" cap="none" spc="0">
-                <a:solidFill>
-                  <a:schemeClr val="bg1">
-                    <a:lumMod val="75000"/>
-                  </a:schemeClr>
-                </a:solidFill>
-                <a:latin typeface="Agave"/>
-                <a:ea typeface="Agave"/>
-                <a:cs typeface="Agave"/>
-              </a:rPr>
-              <a:t>Seidelmann et al, Lancet Public Health 2018; </a:t>
-            </a:r>
-            <a:r>
-              <a:rPr lang="en-US" sz="2200" b="0" i="0" u="none" strike="noStrike" cap="none" spc="0">
-                <a:solidFill>
-                  <a:schemeClr val="bg1">
-                    <a:lumMod val="75000"/>
-                  </a:schemeClr>
-                </a:solidFill>
-                <a:latin typeface="Agave"/>
-                <a:ea typeface="Agave"/>
-                <a:cs typeface="Agave"/>
-              </a:rPr>
-              <a:t>3: e419–28</a:t>
-            </a:r>
-            <a:endParaRPr lang="en-US" sz="2200" b="0" i="0" u="none" strike="noStrike" cap="none" spc="0">
-              <a:solidFill>
-                <a:schemeClr val="bg1">
-                  <a:lumMod val="75000"/>
-                </a:schemeClr>
-              </a:solidFill>
-              <a:latin typeface="Agave"/>
-              <a:cs typeface="Agave"/>
-            </a:endParaRPr>
-          </a:p>
-        </p:txBody>
-      </p:sp>
-      <p:sp>
-        <p:nvSpPr>
-          <p:cNvPr id="436617922" name="TextBox 6"/>
-          <p:cNvSpPr txBox="1"/>
-          <p:nvPr/>
-        </p:nvSpPr>
-        <p:spPr bwMode="auto">
-          <a:xfrm rot="0" flipH="0" flipV="0">
-            <a:off x="-330295" y="-762"/>
-            <a:ext cx="11094680" cy="782425"/>
-          </a:xfrm>
-          <a:prstGeom prst="rect">
-            <a:avLst/>
-          </a:prstGeom>
-        </p:spPr>
-        <p:txBody>
-          <a:bodyPr lIns="0" tIns="0" rIns="0" bIns="0" rtlCol="0" anchor="t">
-            <a:spAutoFit/>
-          </a:bodyPr>
-          <a:lstStyle/>
-          <a:p>
-            <a:pPr algn="ctr">
-              <a:lnSpc>
-                <a:spcPts val="6158"/>
-              </a:lnSpc>
-              <a:defRPr/>
-            </a:pPr>
-            <a:r>
-              <a:rPr lang="en-US" sz="2600" b="0">
-                <a:solidFill>
-                  <a:schemeClr val="bg1"/>
-                </a:solidFill>
-                <a:latin typeface="Agave"/>
-                <a:ea typeface="Agave"/>
-                <a:cs typeface="Agave"/>
-              </a:rPr>
-              <a:t>In the Long Run, Too Few Carbs Is as Unhealthy as Too Many</a:t>
-            </a:r>
-            <a:endParaRPr sz="2600" b="0">
-              <a:solidFill>
-                <a:schemeClr val="bg1"/>
-              </a:solidFill>
-              <a:latin typeface="Tinos"/>
-              <a:cs typeface="Tinos"/>
-            </a:endParaRPr>
-          </a:p>
-        </p:txBody>
-      </p:sp>
-      <p:sp>
-        <p:nvSpPr>
-          <p:cNvPr id="1801371734" name="TextBox 6"/>
-          <p:cNvSpPr txBox="1"/>
-          <p:nvPr/>
-        </p:nvSpPr>
-        <p:spPr bwMode="auto">
-          <a:xfrm rot="0" flipH="0" flipV="0">
-            <a:off x="501507" y="9279210"/>
-            <a:ext cx="4017145" cy="782172"/>
-          </a:xfrm>
-          <a:prstGeom prst="rect">
-            <a:avLst/>
-          </a:prstGeom>
-        </p:spPr>
-        <p:txBody>
-          <a:bodyPr lIns="0" tIns="0" rIns="0" bIns="0" rtlCol="0" anchor="t">
-            <a:spAutoFit/>
-          </a:bodyPr>
-          <a:lstStyle/>
-          <a:p>
-            <a:pPr algn="ctr">
-              <a:lnSpc>
-                <a:spcPts val="6155"/>
-              </a:lnSpc>
-              <a:defRPr/>
-            </a:pPr>
-            <a:r>
-              <a:rPr lang="en-US" sz="2600" b="0">
-                <a:solidFill>
-                  <a:schemeClr val="bg1"/>
-                </a:solidFill>
-                <a:latin typeface="Agave"/>
-                <a:ea typeface="Agave"/>
-                <a:cs typeface="Agave"/>
-              </a:rPr>
-              <a:t>Counsels on Lifestyle</a:t>
-            </a:r>
-            <a:endParaRPr sz="2600" b="0">
-              <a:solidFill>
-                <a:schemeClr val="bg1"/>
-              </a:solidFill>
-              <a:latin typeface="Tinos"/>
-              <a:cs typeface="Tinos"/>
             </a:endParaRPr>
           </a:p>
         </p:txBody>
@@ -5681,6 +5158,142 @@
           </a:p>
         </p:txBody>
       </p:sp>
+      <p:sp>
+        <p:nvSpPr>
+          <p:cNvPr id="387229767" name="TextBox 6"/>
+          <p:cNvSpPr txBox="1"/>
+          <p:nvPr/>
+        </p:nvSpPr>
+        <p:spPr bwMode="auto">
+          <a:xfrm rot="0" flipH="0" flipV="0">
+            <a:off x="8875236" y="9443439"/>
+            <a:ext cx="1263579" cy="782552"/>
+          </a:xfrm>
+          <a:prstGeom prst="rect">
+            <a:avLst/>
+          </a:prstGeom>
+        </p:spPr>
+        <p:txBody>
+          <a:bodyPr lIns="0" tIns="0" rIns="0" bIns="0" rtlCol="0" anchor="t">
+            <a:spAutoFit/>
+          </a:bodyPr>
+          <a:lstStyle/>
+          <a:p>
+            <a:pPr algn="ctr">
+              <a:lnSpc>
+                <a:spcPts val="6158"/>
+              </a:lnSpc>
+              <a:defRPr/>
+            </a:pPr>
+            <a:r>
+              <a:rPr lang="en-US" sz="2600" b="0">
+                <a:solidFill>
+                  <a:schemeClr val="bg1"/>
+                </a:solidFill>
+                <a:latin typeface="Agave"/>
+                <a:ea typeface="Agave"/>
+                <a:cs typeface="Agave"/>
+              </a:rPr>
+              <a:t>2/3</a:t>
+            </a:r>
+            <a:endParaRPr sz="2600" b="0">
+              <a:solidFill>
+                <a:schemeClr val="bg1"/>
+              </a:solidFill>
+              <a:latin typeface="Tinos"/>
+              <a:cs typeface="Tinos"/>
+            </a:endParaRPr>
+          </a:p>
+        </p:txBody>
+      </p:sp>
+      <p:sp>
+        <p:nvSpPr>
+          <p:cNvPr id="1402457242" name="TextBox 6"/>
+          <p:cNvSpPr txBox="1"/>
+          <p:nvPr/>
+        </p:nvSpPr>
+        <p:spPr bwMode="auto">
+          <a:xfrm rot="0" flipH="0" flipV="0">
+            <a:off x="173058" y="9377743"/>
+            <a:ext cx="4017864" cy="782172"/>
+          </a:xfrm>
+          <a:prstGeom prst="rect">
+            <a:avLst/>
+          </a:prstGeom>
+        </p:spPr>
+        <p:txBody>
+          <a:bodyPr lIns="0" tIns="0" rIns="0" bIns="0" rtlCol="0" anchor="t">
+            <a:spAutoFit/>
+          </a:bodyPr>
+          <a:lstStyle/>
+          <a:p>
+            <a:pPr algn="ctr">
+              <a:lnSpc>
+                <a:spcPts val="6155"/>
+              </a:lnSpc>
+              <a:defRPr/>
+            </a:pPr>
+            <a:r>
+              <a:rPr lang="en-US" sz="2600" b="0">
+                <a:solidFill>
+                  <a:schemeClr val="bg1"/>
+                </a:solidFill>
+                <a:latin typeface="Agave"/>
+                <a:ea typeface="Agave"/>
+                <a:cs typeface="Agave"/>
+              </a:rPr>
+              <a:t>Counsels on Lifestyle</a:t>
+            </a:r>
+            <a:endParaRPr sz="2600" b="0">
+              <a:solidFill>
+                <a:schemeClr val="bg1"/>
+              </a:solidFill>
+              <a:latin typeface="Tinos"/>
+              <a:cs typeface="Tinos"/>
+            </a:endParaRPr>
+          </a:p>
+        </p:txBody>
+      </p:sp>
+      <p:cxnSp>
+        <p:nvCxnSpPr>
+          <p:cNvPr id="270513597" name=""/>
+          <p:cNvCxnSpPr>
+            <a:cxnSpLocks/>
+          </p:cNvCxnSpPr>
+          <p:nvPr/>
+        </p:nvCxnSpPr>
+        <p:spPr bwMode="auto">
+          <a:xfrm flipH="0" flipV="0">
+            <a:off x="13611" y="9578863"/>
+            <a:ext cx="10247581" cy="75540"/>
+          </a:xfrm>
+          <a:prstGeom prst="line">
+            <a:avLst/>
+          </a:prstGeom>
+          <a:ln w="38099" cap="flat" cmpd="sng" algn="ctr">
+            <a:solidFill>
+              <a:schemeClr val="bg1"/>
+            </a:solidFill>
+            <a:prstDash val="solid"/>
+          </a:ln>
+        </p:spPr>
+        <p:style>
+          <a:lnRef idx="1">
+            <a:schemeClr val="accent1">
+              <a:shade val="50000"/>
+            </a:schemeClr>
+          </a:lnRef>
+          <a:fillRef idx="0">
+            <a:schemeClr val="accent1"/>
+          </a:fillRef>
+          <a:effectRef idx="0">
+            <a:schemeClr val="accent1"/>
+          </a:effectRef>
+          <a:fontRef idx="minor">
+            <a:schemeClr val="tx1"/>
+          </a:fontRef>
+        </p:style>
+      </p:cxnSp>
     </p:spTree>
   </p:cSld>
   <p:clrMapOvr>
@@ -5703,10 +5316,9 @@
     <p:bg>
       <p:bgPr shadeToTitle="0">
         <a:solidFill>
-          <a:schemeClr val="accent4">
-            <a:lumMod val="50000"/>
+          <a:srgbClr val="26233A">
             <a:alpha val="99999"/>
-          </a:schemeClr>
+          </a:srgbClr>
         </a:solidFill>
       </p:bgPr>
     </p:bg>
@@ -5726,103 +5338,14 @@
       </p:grpSpPr>
       <p:sp>
         <p:nvSpPr>
-          <p:cNvPr id="2003307179" name=""/>
-          <p:cNvSpPr/>
-          <p:nvPr/>
-        </p:nvSpPr>
-        <p:spPr bwMode="auto">
-          <a:xfrm flipH="0" flipV="0">
-            <a:off x="581145" y="1619247"/>
-            <a:ext cx="9081798" cy="7938594"/>
-          </a:xfrm>
-          <a:prstGeom prst="roundRect">
-            <a:avLst>
-              <a:gd name="adj" fmla="val 3765"/>
-            </a:avLst>
-          </a:prstGeom>
-          <a:solidFill>
-            <a:srgbClr val="232136"/>
-          </a:solidFill>
-          <a:ln w="38099" cap="flat" cmpd="sng" algn="ctr">
-            <a:noFill/>
-            <a:prstDash val="solid"/>
-          </a:ln>
-        </p:spPr>
-        <p:style>
-          <a:lnRef idx="2">
-            <a:schemeClr val="accent1">
-              <a:shade val="50000"/>
-            </a:schemeClr>
-          </a:lnRef>
-          <a:fillRef idx="1">
-            <a:schemeClr val="accent1"/>
-          </a:fillRef>
-          <a:effectRef idx="0">
-            <a:schemeClr val="accent1"/>
-          </a:effectRef>
-          <a:fontRef idx="minor">
-            <a:schemeClr val="lt1"/>
-          </a:fontRef>
-        </p:style>
-      </p:sp>
-      <p:sp>
-        <p:nvSpPr>
-          <p:cNvPr id="390018526" name="TextBox 6"/>
-          <p:cNvSpPr txBox="1"/>
-          <p:nvPr/>
-        </p:nvSpPr>
-        <p:spPr bwMode="auto">
-          <a:xfrm rot="0" flipH="0" flipV="0">
-            <a:off x="8875236" y="9279215"/>
-            <a:ext cx="1263222" cy="782552"/>
-          </a:xfrm>
-          <a:prstGeom prst="rect">
-            <a:avLst/>
-          </a:prstGeom>
-        </p:spPr>
-        <p:txBody>
-          <a:bodyPr lIns="0" tIns="0" rIns="0" bIns="0" rtlCol="0" anchor="t">
-            <a:spAutoFit/>
-          </a:bodyPr>
-          <a:lstStyle/>
-          <a:p>
-            <a:pPr algn="ctr">
-              <a:lnSpc>
-                <a:spcPts val="6159"/>
-              </a:lnSpc>
-              <a:defRPr/>
-            </a:pPr>
-            <a:r>
-              <a:rPr lang="en-US" sz="2600" b="0">
-                <a:solidFill>
-                  <a:schemeClr val="bg1"/>
-                </a:solidFill>
-                <a:latin typeface="Agave"/>
-                <a:ea typeface="Agave"/>
-                <a:cs typeface="Agave"/>
-              </a:rPr>
-              <a:t>3/3</a:t>
-            </a:r>
-            <a:endParaRPr sz="2600" b="0">
-              <a:solidFill>
-                <a:schemeClr val="bg1"/>
-              </a:solidFill>
-              <a:latin typeface="Tinos"/>
-              <a:cs typeface="Tinos"/>
-            </a:endParaRPr>
-          </a:p>
-        </p:txBody>
-      </p:sp>
-      <p:sp>
-        <p:nvSpPr>
           <p:cNvPr id="1359300248" name=""/>
           <p:cNvSpPr txBox="1"/>
           <p:nvPr/>
         </p:nvSpPr>
         <p:spPr bwMode="auto">
           <a:xfrm flipH="0" flipV="0">
-            <a:off x="1004101" y="1869804"/>
-            <a:ext cx="8311112" cy="7772760"/>
+            <a:off x="857327" y="1048683"/>
+            <a:ext cx="8650419" cy="6919319"/>
           </a:xfrm>
           <a:prstGeom prst="rect">
             <a:avLst/>
@@ -5838,7 +5361,7 @@
               <a:defRPr/>
             </a:pPr>
             <a:r>
-              <a:rPr lang="en-US" sz="2400" b="0" i="0" u="none" strike="noStrike" cap="none" spc="0">
+              <a:rPr lang="en-US" sz="3600" b="0" i="0" u="none" strike="noStrike" cap="none" spc="0">
                 <a:solidFill>
                   <a:schemeClr val="bg1"/>
                 </a:solidFill>
@@ -5849,7 +5372,7 @@
               <a:t>“</a:t>
             </a:r>
             <a:r>
-              <a:rPr lang="en-US" sz="2400" b="0" i="0" u="none" strike="noStrike" cap="none" spc="0">
+              <a:rPr lang="en-US" sz="3600" b="0" i="0" u="none" strike="noStrike" cap="none" spc="0">
                 <a:solidFill>
                   <a:srgbClr val="00B0F0"/>
                 </a:solidFill>
@@ -5860,7 +5383,7 @@
               <a:t>There are two extremes</a:t>
             </a:r>
             <a:r>
-              <a:rPr lang="en-US" sz="2400" b="0" i="0" u="none" strike="noStrike" cap="none" spc="0">
+              <a:rPr lang="en-US" sz="3600" b="0" i="0" u="none" strike="noStrike" cap="none" spc="0">
                 <a:solidFill>
                   <a:schemeClr val="bg1"/>
                 </a:solidFill>
@@ -5871,7 +5394,7 @@
               <a:t>, </a:t>
             </a:r>
             <a:r>
-              <a:rPr lang="en-US" sz="2400" b="0" i="0" u="none" strike="noStrike" cap="none" spc="0">
+              <a:rPr lang="en-US" sz="3600" b="0" i="0" u="none" strike="noStrike" cap="none" spc="0">
                 <a:solidFill>
                   <a:srgbClr val="FFC000"/>
                 </a:solidFill>
@@ -5882,7 +5405,7 @@
               <a:t>both of which we should avoid</a:t>
             </a:r>
             <a:r>
-              <a:rPr lang="en-US" sz="2400" b="0" i="0" u="none" strike="noStrike" cap="none" spc="0">
+              <a:rPr lang="en-US" sz="3600" b="0" i="0" u="none" strike="noStrike" cap="none" spc="0">
                 <a:solidFill>
                   <a:schemeClr val="bg1"/>
                 </a:solidFill>
@@ -5890,42 +5413,9 @@
                 <a:ea typeface="Agave"/>
                 <a:cs typeface="Agave"/>
               </a:rPr>
-              <a:t>. May the Lord help everyone </a:t>
-            </a:r>
-            <a:r>
-              <a:rPr lang="en-US" sz="2400" b="0" i="0" u="none" strike="noStrike" cap="none" spc="0">
-                <a:solidFill>
-                  <a:schemeClr val="bg1"/>
-                </a:solidFill>
-                <a:latin typeface="Agave"/>
-                <a:ea typeface="Agave"/>
-                <a:cs typeface="Agave"/>
-              </a:rPr>
-              <a:t>connected with our medical institutions </a:t>
-            </a:r>
-            <a:r>
-              <a:rPr lang="en-US" sz="2400" b="0" i="0" u="none" strike="noStrike" cap="none" spc="0">
-                <a:solidFill>
-                  <a:srgbClr val="92D050"/>
-                </a:solidFill>
-                <a:latin typeface="Agave"/>
-                <a:ea typeface="Agave"/>
-                <a:cs typeface="Agave"/>
-              </a:rPr>
-              <a:t>not to advocate a meager supply of food.</a:t>
-            </a:r>
-            <a:r>
-              <a:rPr lang="en-US" sz="2400" b="0" i="0" u="none" strike="noStrike" cap="none" spc="0">
-                <a:solidFill>
-                  <a:schemeClr val="bg1"/>
-                </a:solidFill>
-                <a:latin typeface="Agave"/>
-                <a:ea typeface="Agave"/>
-                <a:cs typeface="Agave"/>
-              </a:rPr>
-              <a:t>”</a:t>
-            </a:r>
-            <a:endParaRPr sz="2400" b="0" i="0" u="none" strike="noStrike" cap="none" spc="0">
+              <a:t>...”</a:t>
+            </a:r>
+            <a:endParaRPr sz="3600" b="0" i="0" u="none" strike="noStrike" cap="none" spc="0">
               <a:solidFill>
                 <a:schemeClr val="bg1"/>
               </a:solidFill>
@@ -5937,7 +5427,7 @@
             <a:pPr>
               <a:defRPr/>
             </a:pPr>
-            <a:endParaRPr lang="en-US" sz="2400" b="0" i="0" u="none" strike="noStrike" cap="none" spc="0">
+            <a:endParaRPr lang="en-US" sz="3600" b="0" i="0" u="none" strike="noStrike" cap="none" spc="0">
               <a:solidFill>
                 <a:schemeClr val="bg1"/>
               </a:solidFill>
@@ -5951,7 +5441,7 @@
               <a:defRPr/>
             </a:pPr>
             <a:r>
-              <a:rPr lang="en-US" sz="2400" b="0" i="0" u="none" strike="noStrike" cap="none" spc="0">
+              <a:rPr lang="en-US" sz="3600" b="0" i="0" u="none" strike="noStrike" cap="none" spc="0">
                 <a:solidFill>
                   <a:schemeClr val="bg1"/>
                 </a:solidFill>
@@ -5959,10 +5449,10 @@
                 <a:ea typeface="Agave"/>
                 <a:cs typeface="Agave"/>
               </a:rPr>
-              <a:t>It is really </a:t>
-            </a:r>
-            <a:r>
-              <a:rPr lang="en-US" sz="2400" b="0" i="0" u="none" strike="noStrike" cap="none" spc="0">
+              <a:t>You need </a:t>
+            </a:r>
+            <a:r>
+              <a:rPr lang="en-US" sz="3600" b="0" i="0" u="none" strike="noStrike" cap="none" spc="0">
                 <a:solidFill>
                   <a:srgbClr val="00B0F0"/>
                 </a:solidFill>
@@ -5970,10 +5460,10 @@
                 <a:ea typeface="Agave"/>
                 <a:cs typeface="Agave"/>
               </a:rPr>
-              <a:t>contrary to health reform to cut off the great variety of dishes</a:t>
-            </a:r>
-            <a:r>
-              <a:rPr lang="en-US" sz="2400" b="0" i="0" u="none" strike="noStrike" cap="none" spc="0">
+              <a:t>not go into the water, or into the fire</a:t>
+            </a:r>
+            <a:r>
+              <a:rPr lang="en-US" sz="3600" b="0" i="0" u="none" strike="noStrike" cap="none" spc="0">
                 <a:solidFill>
                   <a:schemeClr val="bg1"/>
                 </a:solidFill>
@@ -5981,7 +5471,131 @@
                 <a:ea typeface="Agave"/>
                 <a:cs typeface="Agave"/>
               </a:rPr>
-              <a:t>, and then go to</a:t>
+              <a:t>, but </a:t>
+            </a:r>
+            <a:r>
+              <a:rPr lang="en-US" sz="3600" b="0" i="0" u="none" strike="noStrike" cap="none" spc="0">
+                <a:solidFill>
+                  <a:srgbClr val="92D050"/>
+                </a:solidFill>
+                <a:latin typeface="Agave"/>
+                <a:ea typeface="Agave"/>
+                <a:cs typeface="Agave"/>
+              </a:rPr>
+              <a:t>take the </a:t>
+            </a:r>
+            <a:r>
+              <a:rPr lang="en-US" sz="3600" b="0" i="0" u="none" strike="noStrike" cap="none" spc="0">
+                <a:solidFill>
+                  <a:srgbClr val="92D050"/>
+                </a:solidFill>
+                <a:latin typeface="Agave"/>
+                <a:ea typeface="Agave"/>
+                <a:cs typeface="Agave"/>
+              </a:rPr>
+              <a:t>middle path, avoiding all extreme</a:t>
+            </a:r>
+            <a:r>
+              <a:rPr lang="en-US" sz="3600" b="0" i="0" u="none" strike="noStrike" cap="none" spc="0">
+                <a:solidFill>
+                  <a:srgbClr val="92D050"/>
+                </a:solidFill>
+                <a:latin typeface="Agave"/>
+                <a:ea typeface="Agave"/>
+                <a:cs typeface="Agave"/>
+              </a:rPr>
+              <a:t>s</a:t>
+            </a:r>
+            <a:r>
+              <a:rPr lang="en-US" sz="3600" b="0" i="0" u="none" strike="noStrike" cap="none" spc="0">
+                <a:solidFill>
+                  <a:schemeClr val="bg1"/>
+                </a:solidFill>
+                <a:latin typeface="Agave"/>
+                <a:ea typeface="Agave"/>
+                <a:cs typeface="Agave"/>
+              </a:rPr>
+              <a:t>..</a:t>
+            </a:r>
+            <a:r>
+              <a:rPr lang="en-US" sz="3600" b="0" i="0" u="none" strike="noStrike" cap="none" spc="0">
+                <a:solidFill>
+                  <a:schemeClr val="bg1"/>
+                </a:solidFill>
+                <a:latin typeface="Agave"/>
+                <a:ea typeface="Agave"/>
+                <a:cs typeface="Agave"/>
+              </a:rPr>
+              <a:t> Have your food prepared in a healthful, tasteful manner; </a:t>
+            </a:r>
+            <a:endParaRPr lang="en-US" sz="3600" b="0" i="0" u="none" strike="noStrike" cap="none" spc="0">
+              <a:solidFill>
+                <a:schemeClr val="bg1"/>
+              </a:solidFill>
+              <a:latin typeface="Agave"/>
+              <a:cs typeface="Agave"/>
+            </a:endParaRPr>
+          </a:p>
+          <a:p>
+            <a:pPr>
+              <a:defRPr/>
+            </a:pPr>
+            <a:endParaRPr lang="en-US" sz="3600" b="0" i="0" u="none" strike="noStrike" cap="none" spc="0">
+              <a:solidFill>
+                <a:schemeClr val="bg1"/>
+              </a:solidFill>
+              <a:latin typeface="Agave"/>
+              <a:ea typeface="Agave"/>
+              <a:cs typeface="Agave"/>
+            </a:endParaRPr>
+          </a:p>
+          <a:p>
+            <a:pPr>
+              <a:defRPr/>
+            </a:pPr>
+            <a:r>
+              <a:rPr lang="en-US" sz="3600" b="0" i="0" u="none" strike="noStrike" cap="none" spc="0">
+                <a:solidFill>
+                  <a:schemeClr val="bg1"/>
+                </a:solidFill>
+                <a:latin typeface="Agave"/>
+                <a:ea typeface="Agave"/>
+                <a:cs typeface="Agave"/>
+              </a:rPr>
+              <a:t>...</a:t>
+            </a:r>
+            <a:r>
+              <a:rPr lang="en-US" sz="3600" b="0" i="0" u="none" strike="noStrike" cap="none" spc="0">
+                <a:solidFill>
+                  <a:srgbClr val="92D050"/>
+                </a:solidFill>
+                <a:latin typeface="Agave"/>
+                <a:ea typeface="Agave"/>
+                <a:cs typeface="Agave"/>
+              </a:rPr>
+              <a:t>Do not have a starvation diet, </a:t>
+            </a:r>
+            <a:r>
+              <a:rPr lang="en-US" sz="3600" b="0" i="0" u="none" strike="noStrike" cap="none" spc="0">
+                <a:solidFill>
+                  <a:srgbClr val="92D050"/>
+                </a:solidFill>
+                <a:latin typeface="Agave"/>
+                <a:ea typeface="Agave"/>
+                <a:cs typeface="Agave"/>
+              </a:rPr>
+              <a:t>but do not take a variety at one meal</a:t>
+            </a:r>
+            <a:r>
+              <a:rPr lang="en-US" sz="3600" b="0" i="0" u="none" strike="noStrike" cap="none" spc="0">
+                <a:solidFill>
+                  <a:schemeClr val="bg1"/>
+                </a:solidFill>
+                <a:latin typeface="Agave"/>
+                <a:ea typeface="Agave"/>
+                <a:cs typeface="Agave"/>
+              </a:rPr>
+              <a:t>. </a:t>
             </a:r>
             <a:endParaRPr lang="en-US" sz="2400" b="0" i="0" u="none" strike="noStrike" cap="none" spc="0">
               <a:solidFill>
@@ -5995,84 +5609,6 @@
             <a:pPr>
               <a:defRPr/>
             </a:pPr>
-            <a:r>
-              <a:rPr lang="en-US" sz="2400" b="0" i="0" u="none" strike="noStrike" cap="none" spc="0">
-                <a:solidFill>
-                  <a:schemeClr val="bg1"/>
-                </a:solidFill>
-                <a:latin typeface="Agave"/>
-                <a:ea typeface="Agave"/>
-                <a:cs typeface="Agave"/>
-              </a:rPr>
-              <a:t>the </a:t>
-            </a:r>
-            <a:r>
-              <a:rPr lang="en-US" sz="2400" b="0" i="0" u="none" strike="noStrike" cap="none" spc="0">
-                <a:solidFill>
-                  <a:srgbClr val="92D050"/>
-                </a:solidFill>
-                <a:latin typeface="Agave"/>
-                <a:ea typeface="Agave"/>
-                <a:cs typeface="Agave"/>
-              </a:rPr>
-              <a:t>opposite extreme, taking no pains to understand that the living machinery must be fed in</a:t>
-            </a:r>
-            <a:endParaRPr sz="2400" b="0" i="0" u="none" strike="noStrike" cap="none" spc="0">
-              <a:solidFill>
-                <a:srgbClr val="92D050"/>
-              </a:solidFill>
-              <a:latin typeface="Agave"/>
-              <a:cs typeface="Agave"/>
-            </a:endParaRPr>
-          </a:p>
-          <a:p>
-            <a:pPr>
-              <a:defRPr/>
-            </a:pPr>
-            <a:r>
-              <a:rPr lang="en-US" sz="2400" b="0" i="0" u="none" strike="noStrike" cap="none" spc="0">
-                <a:solidFill>
-                  <a:srgbClr val="92D050"/>
-                </a:solidFill>
-                <a:latin typeface="Agave"/>
-                <a:ea typeface="Agave"/>
-                <a:cs typeface="Agave"/>
-              </a:rPr>
-              <a:t>order to work</a:t>
-            </a:r>
-            <a:r>
-              <a:rPr lang="en-US" sz="2400" b="0" i="0" u="none" strike="noStrike" cap="none" spc="0">
-                <a:solidFill>
-                  <a:schemeClr val="bg1"/>
-                </a:solidFill>
-                <a:latin typeface="Agave"/>
-                <a:ea typeface="Agave"/>
-                <a:cs typeface="Agave"/>
-              </a:rPr>
-              <a:t>, and </a:t>
-            </a:r>
-            <a:r>
-              <a:rPr lang="en-US" sz="2400" b="0" i="0" u="none" strike="noStrike" cap="none" spc="0">
-                <a:solidFill>
-                  <a:srgbClr val="FFC000"/>
-                </a:solidFill>
-                <a:latin typeface="Agave"/>
-                <a:ea typeface="Agave"/>
-                <a:cs typeface="Agave"/>
-              </a:rPr>
-              <a:t>reducing the quantity and quality of the food to a low degree</a:t>
-            </a:r>
-            <a:r>
-              <a:rPr lang="en-US" sz="2400" b="0" i="0" u="none" strike="noStrike" cap="none" spc="0">
-                <a:solidFill>
-                  <a:schemeClr val="bg1"/>
-                </a:solidFill>
-                <a:latin typeface="Agave"/>
-                <a:ea typeface="Agave"/>
-                <a:cs typeface="Agave"/>
-              </a:rPr>
-              <a:t>. Instead of health</a:t>
-            </a:r>
             <a:endParaRPr lang="en-US" sz="2400" b="0" i="0" u="none" strike="noStrike" cap="none" spc="0">
               <a:solidFill>
                 <a:schemeClr val="bg1"/>
@@ -6086,7 +5622,7 @@
               <a:defRPr/>
             </a:pPr>
             <a:r>
-              <a:rPr lang="en-US" sz="2400" b="0" i="0" u="none" strike="noStrike" cap="none" spc="0">
+              <a:rPr lang="en-US" sz="2800" b="0" i="1" u="none" strike="noStrike" cap="none" spc="0">
                 <a:solidFill>
                   <a:schemeClr val="bg1"/>
                 </a:solidFill>
@@ -6094,412 +5630,14 @@
                 <a:ea typeface="Agave"/>
                 <a:cs typeface="Agave"/>
               </a:rPr>
-              <a:t>reform, </a:t>
-            </a:r>
-            <a:r>
-              <a:rPr lang="en-US" sz="2400" b="0" i="0" u="none" strike="noStrike" cap="none" spc="0">
-                <a:solidFill>
-                  <a:srgbClr val="EB6F92"/>
-                </a:solidFill>
-                <a:latin typeface="Agave"/>
-                <a:ea typeface="Agave"/>
-                <a:cs typeface="Agave"/>
-              </a:rPr>
-              <a:t>this is a health deform</a:t>
-            </a:r>
-            <a:r>
-              <a:rPr lang="en-US" sz="2400" b="0" i="0" u="none" strike="noStrike" cap="none" spc="0">
-                <a:solidFill>
-                  <a:schemeClr val="bg1"/>
-                </a:solidFill>
-                <a:latin typeface="Agave"/>
-                <a:ea typeface="Agave"/>
-                <a:cs typeface="Agave"/>
-              </a:rPr>
-              <a:t>.” </a:t>
-            </a:r>
-            <a:endParaRPr lang="en-US" sz="2400" b="0" i="0" u="none" strike="noStrike" cap="none" spc="0">
-              <a:solidFill>
-                <a:schemeClr val="bg1"/>
-              </a:solidFill>
-              <a:latin typeface="Agave"/>
-              <a:ea typeface="Agave"/>
-              <a:cs typeface="Agave"/>
-            </a:endParaRPr>
-          </a:p>
-          <a:p>
-            <a:pPr>
-              <a:defRPr/>
-            </a:pPr>
-            <a:endParaRPr lang="en-US" sz="2400" b="0" i="0" u="none" strike="noStrike" cap="none" spc="0">
-              <a:solidFill>
-                <a:schemeClr val="bg1"/>
-              </a:solidFill>
-              <a:latin typeface="Agave"/>
-              <a:ea typeface="Agave"/>
-              <a:cs typeface="Agave"/>
-            </a:endParaRPr>
-          </a:p>
-          <a:p>
-            <a:pPr>
-              <a:defRPr/>
-            </a:pPr>
-            <a:r>
-              <a:rPr lang="en-US" sz="2400" b="0" i="0" u="none" strike="noStrike" cap="none" spc="0">
-                <a:solidFill>
-                  <a:schemeClr val="bg1"/>
-                </a:solidFill>
-                <a:latin typeface="Agave"/>
-                <a:ea typeface="Agave"/>
-                <a:cs typeface="Agave"/>
-              </a:rPr>
-              <a:t>You need </a:t>
-            </a:r>
-            <a:r>
-              <a:rPr lang="en-US" sz="2400" b="0" i="0" u="none" strike="noStrike" cap="none" spc="0">
-                <a:solidFill>
-                  <a:srgbClr val="00B0F0"/>
-                </a:solidFill>
-                <a:latin typeface="Agave"/>
-                <a:ea typeface="Agave"/>
-                <a:cs typeface="Agave"/>
-              </a:rPr>
-              <a:t>not go into the water, or into the fire</a:t>
-            </a:r>
-            <a:r>
-              <a:rPr lang="en-US" sz="2400" b="0" i="0" u="none" strike="noStrike" cap="none" spc="0">
-                <a:solidFill>
-                  <a:schemeClr val="bg1"/>
-                </a:solidFill>
-                <a:latin typeface="Agave"/>
-                <a:ea typeface="Agave"/>
-                <a:cs typeface="Agave"/>
-              </a:rPr>
-              <a:t>, but </a:t>
-            </a:r>
-            <a:r>
-              <a:rPr lang="en-US" sz="2400" b="0" i="0" u="none" strike="noStrike" cap="none" spc="0">
-                <a:solidFill>
-                  <a:srgbClr val="92D050"/>
-                </a:solidFill>
-                <a:latin typeface="Agave"/>
-                <a:ea typeface="Agave"/>
-                <a:cs typeface="Agave"/>
-              </a:rPr>
-              <a:t>take the </a:t>
-            </a:r>
-            <a:r>
-              <a:rPr lang="en-US" sz="2400" b="0" i="0" u="none" strike="noStrike" cap="none" spc="0">
-                <a:solidFill>
-                  <a:srgbClr val="92D050"/>
-                </a:solidFill>
-                <a:latin typeface="Agave"/>
-                <a:ea typeface="Agave"/>
-                <a:cs typeface="Agave"/>
-              </a:rPr>
-              <a:t>middle path, avoiding all extreme</a:t>
-            </a:r>
-            <a:r>
-              <a:rPr lang="en-US" sz="2400" b="0" i="0" u="none" strike="noStrike" cap="none" spc="0">
-                <a:solidFill>
-                  <a:srgbClr val="92D050"/>
-                </a:solidFill>
-                <a:latin typeface="Agave"/>
-                <a:ea typeface="Agave"/>
-                <a:cs typeface="Agave"/>
-              </a:rPr>
-              <a:t>s</a:t>
-            </a:r>
-            <a:r>
-              <a:rPr lang="en-US" sz="2400" b="0" i="0" u="none" strike="noStrike" cap="none" spc="0">
-                <a:solidFill>
-                  <a:schemeClr val="bg1"/>
-                </a:solidFill>
-                <a:latin typeface="Agave"/>
-                <a:ea typeface="Agave"/>
-                <a:cs typeface="Agave"/>
-              </a:rPr>
-              <a:t>..</a:t>
-            </a:r>
-            <a:r>
-              <a:rPr lang="en-US" sz="2400" b="0" i="0" u="none" strike="noStrike" cap="none" spc="0">
-                <a:solidFill>
-                  <a:schemeClr val="bg1"/>
-                </a:solidFill>
-                <a:latin typeface="Agave"/>
-                <a:ea typeface="Agave"/>
-                <a:cs typeface="Agave"/>
-              </a:rPr>
-              <a:t> Have your food prepared in a healthful, tasteful manner; </a:t>
-            </a:r>
-            <a:endParaRPr lang="en-US" sz="2400" b="0" i="0" u="none" strike="noStrike" cap="none" spc="0">
+              <a:t>Counsels on Food and Diet, Ellen G. White, 1938</a:t>
+            </a:r>
+            <a:endParaRPr sz="2800" b="0" i="1" u="none" strike="noStrike" cap="none" spc="0">
               <a:solidFill>
                 <a:schemeClr val="bg1"/>
               </a:solidFill>
               <a:latin typeface="Agave"/>
               <a:cs typeface="Agave"/>
-            </a:endParaRPr>
-          </a:p>
-          <a:p>
-            <a:pPr>
-              <a:defRPr/>
-            </a:pPr>
-            <a:endParaRPr lang="en-US" sz="2400" b="0" i="0" u="none" strike="noStrike" cap="none" spc="0">
-              <a:solidFill>
-                <a:schemeClr val="bg1"/>
-              </a:solidFill>
-              <a:latin typeface="Agave"/>
-              <a:ea typeface="Agave"/>
-              <a:cs typeface="Agave"/>
-            </a:endParaRPr>
-          </a:p>
-          <a:p>
-            <a:pPr>
-              <a:defRPr/>
-            </a:pPr>
-            <a:r>
-              <a:rPr lang="en-US" sz="2400" b="0" i="0" u="none" strike="noStrike" cap="none" spc="0">
-                <a:solidFill>
-                  <a:schemeClr val="bg1"/>
-                </a:solidFill>
-                <a:latin typeface="Agave"/>
-                <a:ea typeface="Agave"/>
-                <a:cs typeface="Agave"/>
-              </a:rPr>
-              <a:t>...</a:t>
-            </a:r>
-            <a:r>
-              <a:rPr lang="en-US" sz="2400" b="0" i="0" u="none" strike="noStrike" cap="none" spc="0">
-                <a:solidFill>
-                  <a:srgbClr val="92D050"/>
-                </a:solidFill>
-                <a:latin typeface="Agave"/>
-                <a:ea typeface="Agave"/>
-                <a:cs typeface="Agave"/>
-              </a:rPr>
-              <a:t>Do not have a starvation diet, </a:t>
-            </a:r>
-            <a:r>
-              <a:rPr lang="en-US" sz="2400" b="0" i="0" u="none" strike="noStrike" cap="none" spc="0">
-                <a:solidFill>
-                  <a:srgbClr val="92D050"/>
-                </a:solidFill>
-                <a:latin typeface="Agave"/>
-                <a:ea typeface="Agave"/>
-                <a:cs typeface="Agave"/>
-              </a:rPr>
-              <a:t>but do not take a variety at one meal</a:t>
-            </a:r>
-            <a:r>
-              <a:rPr lang="en-US" sz="2400" b="0" i="0" u="none" strike="noStrike" cap="none" spc="0">
-                <a:solidFill>
-                  <a:schemeClr val="bg1"/>
-                </a:solidFill>
-                <a:latin typeface="Agave"/>
-                <a:ea typeface="Agave"/>
-                <a:cs typeface="Agave"/>
-              </a:rPr>
-              <a:t>. </a:t>
-            </a:r>
-            <a:endParaRPr lang="en-US" sz="2400" b="0" i="0" u="none" strike="noStrike" cap="none" spc="0">
-              <a:solidFill>
-                <a:schemeClr val="bg1"/>
-              </a:solidFill>
-              <a:latin typeface="Agave"/>
-              <a:cs typeface="Agave"/>
-            </a:endParaRPr>
-          </a:p>
-          <a:p>
-            <a:pPr>
-              <a:defRPr/>
-            </a:pPr>
-            <a:endParaRPr lang="en-US" sz="2400" b="0" i="0" u="none" strike="noStrike" cap="none" spc="0">
-              <a:solidFill>
-                <a:schemeClr val="bg1"/>
-              </a:solidFill>
-              <a:latin typeface="Agave"/>
-              <a:cs typeface="Agave"/>
-            </a:endParaRPr>
-          </a:p>
-          <a:p>
-            <a:pPr>
-              <a:defRPr/>
-            </a:pPr>
-            <a:r>
-              <a:rPr lang="en-US" sz="2400" b="0" i="1" u="none" strike="noStrike" cap="none" spc="0">
-                <a:solidFill>
-                  <a:srgbClr val="EB6F92"/>
-                </a:solidFill>
-                <a:latin typeface="Agave"/>
-                <a:ea typeface="Agave"/>
-                <a:cs typeface="Agave"/>
-              </a:rPr>
-              <a:t>Counsels on Food and Diet, Ellen G. White [1938]</a:t>
-            </a:r>
-            <a:endParaRPr sz="2400" b="0" i="1" u="none" strike="noStrike" cap="none" spc="0">
-              <a:solidFill>
-                <a:srgbClr val="EB6F92"/>
-              </a:solidFill>
-              <a:latin typeface="Agave"/>
-              <a:cs typeface="Agave"/>
-            </a:endParaRPr>
-          </a:p>
-        </p:txBody>
-      </p:sp>
-      <p:sp>
-        <p:nvSpPr>
-          <p:cNvPr id="2129258490" name="TextBox 6"/>
-          <p:cNvSpPr txBox="1"/>
-          <p:nvPr/>
-        </p:nvSpPr>
-        <p:spPr bwMode="auto">
-          <a:xfrm rot="0" flipH="0" flipV="0">
-            <a:off x="-80784" y="1039234"/>
-            <a:ext cx="10594577" cy="335639"/>
-          </a:xfrm>
-          <a:prstGeom prst="rect">
-            <a:avLst/>
-          </a:prstGeom>
-        </p:spPr>
-        <p:txBody>
-          <a:bodyPr lIns="0" tIns="0" rIns="0" bIns="0" rtlCol="0" anchor="t">
-            <a:spAutoFit/>
-          </a:bodyPr>
-          <a:lstStyle/>
-          <a:p>
-            <a:pPr algn="ctr">
-              <a:defRPr/>
-            </a:pPr>
-            <a:r>
-              <a:rPr lang="en-US" sz="2200" b="0" i="0" u="none" strike="noStrike" cap="none" spc="0">
-                <a:solidFill>
-                  <a:schemeClr val="bg1">
-                    <a:lumMod val="75000"/>
-                  </a:schemeClr>
-                </a:solidFill>
-                <a:latin typeface="Agave"/>
-                <a:ea typeface="Agave"/>
-                <a:cs typeface="Agave"/>
-              </a:rPr>
-              <a:t>Seidelmann et al, Lancet Public Health 2018; </a:t>
-            </a:r>
-            <a:r>
-              <a:rPr lang="en-US" sz="2200" b="0" i="0" u="none" strike="noStrike" cap="none" spc="0">
-                <a:solidFill>
-                  <a:schemeClr val="bg1">
-                    <a:lumMod val="75000"/>
-                  </a:schemeClr>
-                </a:solidFill>
-                <a:latin typeface="Agave"/>
-                <a:ea typeface="Agave"/>
-                <a:cs typeface="Agave"/>
-              </a:rPr>
-              <a:t>3: e419–28</a:t>
-            </a:r>
-            <a:endParaRPr lang="en-US" sz="2200" b="0" i="0" u="none" strike="noStrike" cap="none" spc="0">
-              <a:solidFill>
-                <a:schemeClr val="bg1">
-                  <a:lumMod val="75000"/>
-                </a:schemeClr>
-              </a:solidFill>
-              <a:latin typeface="Agave"/>
-              <a:cs typeface="Agave"/>
-            </a:endParaRPr>
-          </a:p>
-        </p:txBody>
-      </p:sp>
-      <p:sp>
-        <p:nvSpPr>
-          <p:cNvPr id="230625408" name="TextBox 6"/>
-          <p:cNvSpPr txBox="1"/>
-          <p:nvPr/>
-        </p:nvSpPr>
-        <p:spPr bwMode="auto">
-          <a:xfrm rot="0" flipH="0" flipV="0">
-            <a:off x="501507" y="9279210"/>
-            <a:ext cx="4017145" cy="782172"/>
-          </a:xfrm>
-          <a:prstGeom prst="rect">
-            <a:avLst/>
-          </a:prstGeom>
-        </p:spPr>
-        <p:txBody>
-          <a:bodyPr lIns="0" tIns="0" rIns="0" bIns="0" rtlCol="0" anchor="t">
-            <a:spAutoFit/>
-          </a:bodyPr>
-          <a:lstStyle/>
-          <a:p>
-            <a:pPr algn="ctr">
-              <a:lnSpc>
-                <a:spcPts val="6155"/>
-              </a:lnSpc>
-              <a:defRPr/>
-            </a:pPr>
-            <a:r>
-              <a:rPr lang="en-US" sz="2600" b="0">
-                <a:solidFill>
-                  <a:schemeClr val="bg1"/>
-                </a:solidFill>
-                <a:latin typeface="Agave"/>
-                <a:ea typeface="Agave"/>
-                <a:cs typeface="Agave"/>
-              </a:rPr>
-              <a:t>Counsels on Lifestyle</a:t>
-            </a:r>
-            <a:endParaRPr sz="2600" b="0">
-              <a:solidFill>
-                <a:schemeClr val="bg1"/>
-              </a:solidFill>
-              <a:latin typeface="Tinos"/>
-              <a:cs typeface="Tinos"/>
-            </a:endParaRPr>
-          </a:p>
-        </p:txBody>
-      </p:sp>
-      <p:sp>
-        <p:nvSpPr>
-          <p:cNvPr id="1580606157" name="TextBox 6"/>
-          <p:cNvSpPr txBox="1"/>
-          <p:nvPr/>
-        </p:nvSpPr>
-        <p:spPr bwMode="auto">
-          <a:xfrm rot="0" flipH="0" flipV="0">
-            <a:off x="-330294" y="-762"/>
-            <a:ext cx="11095039" cy="782425"/>
-          </a:xfrm>
-          <a:prstGeom prst="rect">
-            <a:avLst/>
-          </a:prstGeom>
-        </p:spPr>
-        <p:txBody>
-          <a:bodyPr lIns="0" tIns="0" rIns="0" bIns="0" rtlCol="0" anchor="t">
-            <a:spAutoFit/>
-          </a:bodyPr>
-          <a:lstStyle/>
-          <a:p>
-            <a:pPr algn="ctr">
-              <a:lnSpc>
-                <a:spcPts val="6157"/>
-              </a:lnSpc>
-              <a:defRPr/>
-            </a:pPr>
-            <a:r>
-              <a:rPr lang="en-US" sz="2600" b="0">
-                <a:solidFill>
-                  <a:schemeClr val="bg1"/>
-                </a:solidFill>
-                <a:latin typeface="Agave"/>
-                <a:ea typeface="Agave"/>
-                <a:cs typeface="Agave"/>
-              </a:rPr>
-              <a:t>In the Long Run, Too Few Carbs Is as Unhealthy as Too Many</a:t>
-            </a:r>
-            <a:endParaRPr sz="2600" b="0">
-              <a:solidFill>
-                <a:schemeClr val="bg1"/>
-              </a:solidFill>
-              <a:latin typeface="Tinos"/>
-              <a:cs typeface="Tinos"/>
             </a:endParaRPr>
           </a:p>
         </p:txBody>
@@ -6552,6 +5690,142 @@
           </a:p>
         </p:txBody>
       </p:sp>
+      <p:sp>
+        <p:nvSpPr>
+          <p:cNvPr id="517971392" name="TextBox 6"/>
+          <p:cNvSpPr txBox="1"/>
+          <p:nvPr/>
+        </p:nvSpPr>
+        <p:spPr bwMode="auto">
+          <a:xfrm rot="0" flipH="0" flipV="0">
+            <a:off x="8875236" y="9443439"/>
+            <a:ext cx="1263579" cy="782552"/>
+          </a:xfrm>
+          <a:prstGeom prst="rect">
+            <a:avLst/>
+          </a:prstGeom>
+        </p:spPr>
+        <p:txBody>
+          <a:bodyPr lIns="0" tIns="0" rIns="0" bIns="0" rtlCol="0" anchor="t">
+            <a:spAutoFit/>
+          </a:bodyPr>
+          <a:lstStyle/>
+          <a:p>
+            <a:pPr algn="ctr">
+              <a:lnSpc>
+                <a:spcPts val="6158"/>
+              </a:lnSpc>
+              <a:defRPr/>
+            </a:pPr>
+            <a:r>
+              <a:rPr lang="en-US" sz="2600" b="0">
+                <a:solidFill>
+                  <a:schemeClr val="bg1"/>
+                </a:solidFill>
+                <a:latin typeface="Agave"/>
+                <a:ea typeface="Agave"/>
+                <a:cs typeface="Agave"/>
+              </a:rPr>
+              <a:t>3/3</a:t>
+            </a:r>
+            <a:endParaRPr sz="2600" b="0">
+              <a:solidFill>
+                <a:schemeClr val="bg1"/>
+              </a:solidFill>
+              <a:latin typeface="Tinos"/>
+              <a:cs typeface="Tinos"/>
+            </a:endParaRPr>
+          </a:p>
+        </p:txBody>
+      </p:sp>
+      <p:sp>
+        <p:nvSpPr>
+          <p:cNvPr id="974052386" name="TextBox 6"/>
+          <p:cNvSpPr txBox="1"/>
+          <p:nvPr/>
+        </p:nvSpPr>
+        <p:spPr bwMode="auto">
+          <a:xfrm rot="0" flipH="0" flipV="0">
+            <a:off x="173058" y="9377743"/>
+            <a:ext cx="4017864" cy="782172"/>
+          </a:xfrm>
+          <a:prstGeom prst="rect">
+            <a:avLst/>
+          </a:prstGeom>
+        </p:spPr>
+        <p:txBody>
+          <a:bodyPr lIns="0" tIns="0" rIns="0" bIns="0" rtlCol="0" anchor="t">
+            <a:spAutoFit/>
+          </a:bodyPr>
+          <a:lstStyle/>
+          <a:p>
+            <a:pPr algn="ctr">
+              <a:lnSpc>
+                <a:spcPts val="6155"/>
+              </a:lnSpc>
+              <a:defRPr/>
+            </a:pPr>
+            <a:r>
+              <a:rPr lang="en-US" sz="2600" b="0">
+                <a:solidFill>
+                  <a:schemeClr val="bg1"/>
+                </a:solidFill>
+                <a:latin typeface="Agave"/>
+                <a:ea typeface="Agave"/>
+                <a:cs typeface="Agave"/>
+              </a:rPr>
+              <a:t>Counsels on Lifestyle</a:t>
+            </a:r>
+            <a:endParaRPr sz="2600" b="0">
+              <a:solidFill>
+                <a:schemeClr val="bg1"/>
+              </a:solidFill>
+              <a:latin typeface="Tinos"/>
+              <a:cs typeface="Tinos"/>
+            </a:endParaRPr>
+          </a:p>
+        </p:txBody>
+      </p:sp>
+      <p:cxnSp>
+        <p:nvCxnSpPr>
+          <p:cNvPr id="356234861" name=""/>
+          <p:cNvCxnSpPr>
+            <a:cxnSpLocks/>
+          </p:cNvCxnSpPr>
+          <p:nvPr/>
+        </p:nvCxnSpPr>
+        <p:spPr bwMode="auto">
+          <a:xfrm flipH="0" flipV="0">
+            <a:off x="13611" y="9578863"/>
+            <a:ext cx="10247581" cy="75540"/>
+          </a:xfrm>
+          <a:prstGeom prst="line">
+            <a:avLst/>
+          </a:prstGeom>
+          <a:ln w="38099" cap="flat" cmpd="sng" algn="ctr">
+            <a:solidFill>
+              <a:schemeClr val="bg1"/>
+            </a:solidFill>
+            <a:prstDash val="solid"/>
+          </a:ln>
+        </p:spPr>
+        <p:style>
+          <a:lnRef idx="1">
+            <a:schemeClr val="accent1">
+              <a:shade val="50000"/>
+            </a:schemeClr>
+          </a:lnRef>
+          <a:fillRef idx="0">
+            <a:schemeClr val="accent1"/>
+          </a:fillRef>
+          <a:effectRef idx="0">
+            <a:schemeClr val="accent1"/>
+          </a:effectRef>
+          <a:fontRef idx="minor">
+            <a:schemeClr val="tx1"/>
+          </a:fontRef>
+        </p:style>
+      </p:cxnSp>
     </p:spTree>
   </p:cSld>
   <p:clrMapOvr>

--- a/posts/5/slides.pptx
+++ b/posts/5/slides.pptx
@@ -4092,7 +4092,7 @@
           <p:nvPr/>
         </p:nvCxnSpPr>
         <p:spPr bwMode="auto">
-          <a:xfrm rot="10799990" flipH="1" flipV="1">
+          <a:xfrm rot="10799989" flipH="1" flipV="1">
             <a:off x="1252799" y="8550000"/>
             <a:ext cx="7933311" cy="0"/>
           </a:xfrm>
@@ -4563,54 +4563,6 @@
           </a:p>
         </p:txBody>
       </p:sp>
-      <p:sp>
-        <p:nvSpPr>
-          <p:cNvPr id="296778447" name="TextBox 6"/>
-          <p:cNvSpPr txBox="1"/>
-          <p:nvPr/>
-        </p:nvSpPr>
-        <p:spPr bwMode="auto">
-          <a:xfrm rot="0" flipH="0" flipV="0">
-            <a:off x="173058" y="9377743"/>
-            <a:ext cx="4017864" cy="782172"/>
-          </a:xfrm>
-          <a:prstGeom prst="rect">
-            <a:avLst/>
-          </a:prstGeom>
-        </p:spPr>
-        <p:txBody>
-          <a:bodyPr lIns="0" tIns="0" rIns="0" bIns="0" rtlCol="0" anchor="t">
-            <a:spAutoFit/>
-          </a:bodyPr>
-          <a:lstStyle/>
-          <a:p>
-            <a:pPr algn="ctr">
-              <a:lnSpc>
-                <a:spcPts val="6155"/>
-              </a:lnSpc>
-              <a:defRPr/>
-            </a:pPr>
-            <a:r>
-              <a:rPr lang="en-US" sz="2600" b="0">
-                <a:solidFill>
-                  <a:schemeClr val="bg1"/>
-                </a:solidFill>
-                <a:latin typeface="Agave"/>
-                <a:ea typeface="Agave"/>
-                <a:cs typeface="Agave"/>
-              </a:rPr>
-              <a:t>Counsels on Lifestyle</a:t>
-            </a:r>
-            <a:endParaRPr sz="2600" b="0">
-              <a:solidFill>
-                <a:schemeClr val="bg1"/>
-              </a:solidFill>
-              <a:latin typeface="Tinos"/>
-              <a:cs typeface="Tinos"/>
-            </a:endParaRPr>
-          </a:p>
-        </p:txBody>
-      </p:sp>
       <p:cxnSp>
         <p:nvCxnSpPr>
           <p:cNvPr id="879746669" name=""/>
@@ -4739,6 +4691,54 @@
           </a:fontRef>
         </p:style>
       </p:cxnSp>
+      <p:sp>
+        <p:nvSpPr>
+          <p:cNvPr id="1513822119" name="TextBox 6"/>
+          <p:cNvSpPr txBox="1"/>
+          <p:nvPr/>
+        </p:nvSpPr>
+        <p:spPr bwMode="auto">
+          <a:xfrm rot="0" flipH="0" flipV="0">
+            <a:off x="173055" y="9377742"/>
+            <a:ext cx="4594244" cy="782044"/>
+          </a:xfrm>
+          <a:prstGeom prst="rect">
+            <a:avLst/>
+          </a:prstGeom>
+        </p:spPr>
+        <p:txBody>
+          <a:bodyPr lIns="0" tIns="0" rIns="0" bIns="0" rtlCol="0" anchor="t">
+            <a:spAutoFit/>
+          </a:bodyPr>
+          <a:lstStyle/>
+          <a:p>
+            <a:pPr algn="ctr">
+              <a:lnSpc>
+                <a:spcPts val="6154"/>
+              </a:lnSpc>
+              <a:defRPr/>
+            </a:pPr>
+            <a:r>
+              <a:rPr lang="en-US" sz="2600" b="0">
+                <a:solidFill>
+                  <a:schemeClr val="bg1"/>
+                </a:solidFill>
+                <a:latin typeface="Agave"/>
+                <a:ea typeface="Agave"/>
+                <a:cs typeface="Agave"/>
+              </a:rPr>
+              <a:t>The Health Message Works!</a:t>
+            </a:r>
+            <a:endParaRPr sz="2600" b="0">
+              <a:solidFill>
+                <a:schemeClr val="bg1"/>
+              </a:solidFill>
+              <a:latin typeface="Tinos"/>
+              <a:cs typeface="Tinos"/>
+            </a:endParaRPr>
+          </a:p>
+        </p:txBody>
+      </p:sp>
     </p:spTree>
   </p:cSld>
   <p:clrMapOvr>
@@ -5206,54 +5206,6 @@
           </a:p>
         </p:txBody>
       </p:sp>
-      <p:sp>
-        <p:nvSpPr>
-          <p:cNvPr id="1402457242" name="TextBox 6"/>
-          <p:cNvSpPr txBox="1"/>
-          <p:nvPr/>
-        </p:nvSpPr>
-        <p:spPr bwMode="auto">
-          <a:xfrm rot="0" flipH="0" flipV="0">
-            <a:off x="173058" y="9377743"/>
-            <a:ext cx="4017864" cy="782172"/>
-          </a:xfrm>
-          <a:prstGeom prst="rect">
-            <a:avLst/>
-          </a:prstGeom>
-        </p:spPr>
-        <p:txBody>
-          <a:bodyPr lIns="0" tIns="0" rIns="0" bIns="0" rtlCol="0" anchor="t">
-            <a:spAutoFit/>
-          </a:bodyPr>
-          <a:lstStyle/>
-          <a:p>
-            <a:pPr algn="ctr">
-              <a:lnSpc>
-                <a:spcPts val="6155"/>
-              </a:lnSpc>
-              <a:defRPr/>
-            </a:pPr>
-            <a:r>
-              <a:rPr lang="en-US" sz="2600" b="0">
-                <a:solidFill>
-                  <a:schemeClr val="bg1"/>
-                </a:solidFill>
-                <a:latin typeface="Agave"/>
-                <a:ea typeface="Agave"/>
-                <a:cs typeface="Agave"/>
-              </a:rPr>
-              <a:t>Counsels on Lifestyle</a:t>
-            </a:r>
-            <a:endParaRPr sz="2600" b="0">
-              <a:solidFill>
-                <a:schemeClr val="bg1"/>
-              </a:solidFill>
-              <a:latin typeface="Tinos"/>
-              <a:cs typeface="Tinos"/>
-            </a:endParaRPr>
-          </a:p>
-        </p:txBody>
-      </p:sp>
       <p:cxnSp>
         <p:nvCxnSpPr>
           <p:cNvPr id="270513597" name=""/>
@@ -5264,7 +5216,7 @@
         </p:nvCxnSpPr>
         <p:spPr bwMode="auto">
           <a:xfrm flipH="0" flipV="0">
-            <a:off x="13611" y="9578863"/>
+            <a:off x="13610" y="9578862"/>
             <a:ext cx="10247581" cy="75540"/>
           </a:xfrm>
           <a:prstGeom prst="line">
@@ -5273,6 +5225,139 @@
           <a:ln w="38099" cap="flat" cmpd="sng" algn="ctr">
             <a:solidFill>
               <a:schemeClr val="bg1"/>
+            </a:solidFill>
+            <a:prstDash val="solid"/>
+          </a:ln>
+        </p:spPr>
+        <p:style>
+          <a:lnRef idx="1">
+            <a:schemeClr val="accent1">
+              <a:shade val="50000"/>
+            </a:schemeClr>
+          </a:lnRef>
+          <a:fillRef idx="0">
+            <a:schemeClr val="accent1"/>
+          </a:fillRef>
+          <a:effectRef idx="0">
+            <a:schemeClr val="accent1"/>
+          </a:effectRef>
+          <a:fontRef idx="minor">
+            <a:schemeClr val="tx1"/>
+          </a:fontRef>
+        </p:style>
+      </p:cxnSp>
+      <p:sp>
+        <p:nvSpPr>
+          <p:cNvPr id="1265552583" name="TextBox 6"/>
+          <p:cNvSpPr txBox="1"/>
+          <p:nvPr/>
+        </p:nvSpPr>
+        <p:spPr bwMode="auto">
+          <a:xfrm rot="0" flipH="0" flipV="0">
+            <a:off x="173055" y="9377742"/>
+            <a:ext cx="4594244" cy="782044"/>
+          </a:xfrm>
+          <a:prstGeom prst="rect">
+            <a:avLst/>
+          </a:prstGeom>
+        </p:spPr>
+        <p:txBody>
+          <a:bodyPr lIns="0" tIns="0" rIns="0" bIns="0" rtlCol="0" anchor="t">
+            <a:spAutoFit/>
+          </a:bodyPr>
+          <a:lstStyle/>
+          <a:p>
+            <a:pPr algn="ctr">
+              <a:lnSpc>
+                <a:spcPts val="6154"/>
+              </a:lnSpc>
+              <a:defRPr/>
+            </a:pPr>
+            <a:r>
+              <a:rPr lang="en-US" sz="2600" b="0">
+                <a:solidFill>
+                  <a:schemeClr val="bg1"/>
+                </a:solidFill>
+                <a:latin typeface="Agave"/>
+                <a:ea typeface="Agave"/>
+                <a:cs typeface="Agave"/>
+              </a:rPr>
+              <a:t>The Health Message Works!</a:t>
+            </a:r>
+            <a:endParaRPr sz="2600" b="0">
+              <a:solidFill>
+                <a:schemeClr val="bg1"/>
+              </a:solidFill>
+              <a:latin typeface="Tinos"/>
+              <a:cs typeface="Tinos"/>
+            </a:endParaRPr>
+          </a:p>
+        </p:txBody>
+      </p:sp>
+      <p:sp>
+        <p:nvSpPr>
+          <p:cNvPr id="450834071" name=""/>
+          <p:cNvSpPr txBox="1"/>
+          <p:nvPr/>
+        </p:nvSpPr>
+        <p:spPr bwMode="auto">
+          <a:xfrm flipH="0" flipV="0">
+            <a:off x="3517758" y="155343"/>
+            <a:ext cx="6542492" cy="488039"/>
+          </a:xfrm>
+          <a:prstGeom prst="rect">
+            <a:avLst/>
+          </a:prstGeom>
+          <a:noFill/>
+        </p:spPr>
+        <p:txBody>
+          <a:bodyPr vertOverflow="overflow" horzOverflow="overflow" vert="horz" wrap="square" lIns="91440" tIns="45720" rIns="91440" bIns="45720" numCol="1" spcCol="0" rtlCol="0" fromWordArt="0" anchor="t" anchorCtr="0" forceAA="0" upright="0" compatLnSpc="0">
+            <a:spAutoFit/>
+          </a:bodyPr>
+          <a:p>
+            <a:pPr algn="r">
+              <a:defRPr/>
+            </a:pPr>
+            <a:r>
+              <a:rPr sz="2600" b="0">
+                <a:solidFill>
+                  <a:schemeClr val="bg1"/>
+                </a:solidFill>
+                <a:latin typeface="Agave"/>
+                <a:ea typeface="Agave"/>
+                <a:cs typeface="Agave"/>
+              </a:rPr>
+              <a:t>Scientific Research - 2010</a:t>
+            </a:r>
+            <a:endParaRPr sz="2600" b="0">
+              <a:solidFill>
+                <a:schemeClr val="bg1"/>
+              </a:solidFill>
+              <a:latin typeface="Agave"/>
+              <a:cs typeface="Agave"/>
+            </a:endParaRPr>
+          </a:p>
+        </p:txBody>
+      </p:sp>
+      <p:cxnSp>
+        <p:nvCxnSpPr>
+          <p:cNvPr id="1806810620" name=""/>
+          <p:cNvCxnSpPr>
+            <a:cxnSpLocks/>
+          </p:cNvCxnSpPr>
+          <p:nvPr/>
+        </p:nvCxnSpPr>
+        <p:spPr bwMode="auto">
+          <a:xfrm flipH="0" flipV="0">
+            <a:off x="1786" y="698935"/>
+            <a:ext cx="10247580" cy="75539"/>
+          </a:xfrm>
+          <a:prstGeom prst="line">
+            <a:avLst/>
+          </a:prstGeom>
+          <a:ln w="38099" cap="flat" cmpd="sng" algn="ctr">
+            <a:solidFill>
+              <a:srgbClr val="FFFFFF"/>
             </a:solidFill>
             <a:prstDash val="solid"/>
           </a:ln>
@@ -5738,54 +5823,6 @@
           </a:p>
         </p:txBody>
       </p:sp>
-      <p:sp>
-        <p:nvSpPr>
-          <p:cNvPr id="974052386" name="TextBox 6"/>
-          <p:cNvSpPr txBox="1"/>
-          <p:nvPr/>
-        </p:nvSpPr>
-        <p:spPr bwMode="auto">
-          <a:xfrm rot="0" flipH="0" flipV="0">
-            <a:off x="173058" y="9377743"/>
-            <a:ext cx="4017864" cy="782172"/>
-          </a:xfrm>
-          <a:prstGeom prst="rect">
-            <a:avLst/>
-          </a:prstGeom>
-        </p:spPr>
-        <p:txBody>
-          <a:bodyPr lIns="0" tIns="0" rIns="0" bIns="0" rtlCol="0" anchor="t">
-            <a:spAutoFit/>
-          </a:bodyPr>
-          <a:lstStyle/>
-          <a:p>
-            <a:pPr algn="ctr">
-              <a:lnSpc>
-                <a:spcPts val="6155"/>
-              </a:lnSpc>
-              <a:defRPr/>
-            </a:pPr>
-            <a:r>
-              <a:rPr lang="en-US" sz="2600" b="0">
-                <a:solidFill>
-                  <a:schemeClr val="bg1"/>
-                </a:solidFill>
-                <a:latin typeface="Agave"/>
-                <a:ea typeface="Agave"/>
-                <a:cs typeface="Agave"/>
-              </a:rPr>
-              <a:t>Counsels on Lifestyle</a:t>
-            </a:r>
-            <a:endParaRPr sz="2600" b="0">
-              <a:solidFill>
-                <a:schemeClr val="bg1"/>
-              </a:solidFill>
-              <a:latin typeface="Tinos"/>
-              <a:cs typeface="Tinos"/>
-            </a:endParaRPr>
-          </a:p>
-        </p:txBody>
-      </p:sp>
       <p:cxnSp>
         <p:nvCxnSpPr>
           <p:cNvPr id="356234861" name=""/>
@@ -5805,6 +5842,139 @@
           <a:ln w="38099" cap="flat" cmpd="sng" algn="ctr">
             <a:solidFill>
               <a:schemeClr val="bg1"/>
+            </a:solidFill>
+            <a:prstDash val="solid"/>
+          </a:ln>
+        </p:spPr>
+        <p:style>
+          <a:lnRef idx="1">
+            <a:schemeClr val="accent1">
+              <a:shade val="50000"/>
+            </a:schemeClr>
+          </a:lnRef>
+          <a:fillRef idx="0">
+            <a:schemeClr val="accent1"/>
+          </a:fillRef>
+          <a:effectRef idx="0">
+            <a:schemeClr val="accent1"/>
+          </a:effectRef>
+          <a:fontRef idx="minor">
+            <a:schemeClr val="tx1"/>
+          </a:fontRef>
+        </p:style>
+      </p:cxnSp>
+      <p:sp>
+        <p:nvSpPr>
+          <p:cNvPr id="1236106945" name="TextBox 6"/>
+          <p:cNvSpPr txBox="1"/>
+          <p:nvPr/>
+        </p:nvSpPr>
+        <p:spPr bwMode="auto">
+          <a:xfrm rot="0" flipH="0" flipV="0">
+            <a:off x="173055" y="9377742"/>
+            <a:ext cx="4594244" cy="782044"/>
+          </a:xfrm>
+          <a:prstGeom prst="rect">
+            <a:avLst/>
+          </a:prstGeom>
+        </p:spPr>
+        <p:txBody>
+          <a:bodyPr lIns="0" tIns="0" rIns="0" bIns="0" rtlCol="0" anchor="t">
+            <a:spAutoFit/>
+          </a:bodyPr>
+          <a:lstStyle/>
+          <a:p>
+            <a:pPr algn="ctr">
+              <a:lnSpc>
+                <a:spcPts val="6154"/>
+              </a:lnSpc>
+              <a:defRPr/>
+            </a:pPr>
+            <a:r>
+              <a:rPr lang="en-US" sz="2600" b="0">
+                <a:solidFill>
+                  <a:schemeClr val="bg1"/>
+                </a:solidFill>
+                <a:latin typeface="Agave"/>
+                <a:ea typeface="Agave"/>
+                <a:cs typeface="Agave"/>
+              </a:rPr>
+              <a:t>The Health Message Works!</a:t>
+            </a:r>
+            <a:endParaRPr sz="2600" b="0">
+              <a:solidFill>
+                <a:schemeClr val="bg1"/>
+              </a:solidFill>
+              <a:latin typeface="Tinos"/>
+              <a:cs typeface="Tinos"/>
+            </a:endParaRPr>
+          </a:p>
+        </p:txBody>
+      </p:sp>
+      <p:sp>
+        <p:nvSpPr>
+          <p:cNvPr id="191889279" name=""/>
+          <p:cNvSpPr txBox="1"/>
+          <p:nvPr/>
+        </p:nvSpPr>
+        <p:spPr bwMode="auto">
+          <a:xfrm flipH="0" flipV="0">
+            <a:off x="3517758" y="155342"/>
+            <a:ext cx="6546451" cy="488039"/>
+          </a:xfrm>
+          <a:prstGeom prst="rect">
+            <a:avLst/>
+          </a:prstGeom>
+          <a:noFill/>
+        </p:spPr>
+        <p:txBody>
+          <a:bodyPr vertOverflow="overflow" horzOverflow="overflow" vert="horz" wrap="square" lIns="91440" tIns="45720" rIns="91440" bIns="45720" numCol="1" spcCol="0" rtlCol="0" fromWordArt="0" anchor="t" anchorCtr="0" forceAA="0" upright="0" compatLnSpc="0">
+            <a:spAutoFit/>
+          </a:bodyPr>
+          <a:p>
+            <a:pPr algn="r">
+              <a:defRPr/>
+            </a:pPr>
+            <a:r>
+              <a:rPr sz="2600" b="0">
+                <a:solidFill>
+                  <a:schemeClr val="bg1"/>
+                </a:solidFill>
+                <a:latin typeface="Agave"/>
+                <a:ea typeface="Agave"/>
+                <a:cs typeface="Agave"/>
+              </a:rPr>
+              <a:t>Ellen G. White - 1938</a:t>
+            </a:r>
+            <a:endParaRPr sz="2600" b="0">
+              <a:solidFill>
+                <a:schemeClr val="bg1"/>
+              </a:solidFill>
+              <a:latin typeface="Agave"/>
+              <a:cs typeface="Agave"/>
+            </a:endParaRPr>
+          </a:p>
+        </p:txBody>
+      </p:sp>
+      <p:cxnSp>
+        <p:nvCxnSpPr>
+          <p:cNvPr id="854153051" name=""/>
+          <p:cNvCxnSpPr>
+            <a:cxnSpLocks/>
+          </p:cNvCxnSpPr>
+          <p:nvPr/>
+        </p:nvCxnSpPr>
+        <p:spPr bwMode="auto">
+          <a:xfrm flipH="0" flipV="0">
+            <a:off x="1785" y="698934"/>
+            <a:ext cx="10247580" cy="75539"/>
+          </a:xfrm>
+          <a:prstGeom prst="line">
+            <a:avLst/>
+          </a:prstGeom>
+          <a:ln w="38099" cap="flat" cmpd="sng" algn="ctr">
+            <a:solidFill>
+              <a:srgbClr val="FFFFFF"/>
             </a:solidFill>
             <a:prstDash val="solid"/>
           </a:ln>
